--- a/docs/live-testing.pptx
+++ b/docs/live-testing.pptx
@@ -243,7 +243,7 @@
               <a:rPr lang="de-DE" smtClean="0"/>
               <a:t>29.12.16</a:t>
             </a:fld>
-            <a:endParaRPr lang="de-DE"/>
+            <a:endParaRPr lang="de-DE" dirty="0"/>
           </a:p>
         </p:txBody>
       </p:sp>
@@ -262,7 +262,7 @@
           <a:bodyPr/>
           <a:lstStyle/>
           <a:p>
-            <a:endParaRPr lang="de-DE"/>
+            <a:endParaRPr lang="de-DE" dirty="0"/>
           </a:p>
         </p:txBody>
       </p:sp>
@@ -285,7 +285,7 @@
               <a:rPr lang="de-DE" smtClean="0"/>
               <a:t>‹#›</a:t>
             </a:fld>
-            <a:endParaRPr lang="de-DE"/>
+            <a:endParaRPr lang="de-DE" dirty="0"/>
           </a:p>
         </p:txBody>
       </p:sp>
@@ -411,7 +411,7 @@
               <a:rPr lang="de-DE" smtClean="0"/>
               <a:t>29.12.16</a:t>
             </a:fld>
-            <a:endParaRPr lang="de-DE"/>
+            <a:endParaRPr lang="de-DE" dirty="0"/>
           </a:p>
         </p:txBody>
       </p:sp>
@@ -430,7 +430,7 @@
           <a:bodyPr/>
           <a:lstStyle/>
           <a:p>
-            <a:endParaRPr lang="de-DE"/>
+            <a:endParaRPr lang="de-DE" dirty="0"/>
           </a:p>
         </p:txBody>
       </p:sp>
@@ -453,7 +453,7 @@
               <a:rPr lang="de-DE" smtClean="0"/>
               <a:t>‹#›</a:t>
             </a:fld>
-            <a:endParaRPr lang="de-DE"/>
+            <a:endParaRPr lang="de-DE" dirty="0"/>
           </a:p>
         </p:txBody>
       </p:sp>
@@ -589,7 +589,7 @@
               <a:rPr lang="de-DE" smtClean="0"/>
               <a:t>29.12.16</a:t>
             </a:fld>
-            <a:endParaRPr lang="de-DE"/>
+            <a:endParaRPr lang="de-DE" dirty="0"/>
           </a:p>
         </p:txBody>
       </p:sp>
@@ -608,7 +608,7 @@
           <a:bodyPr/>
           <a:lstStyle/>
           <a:p>
-            <a:endParaRPr lang="de-DE"/>
+            <a:endParaRPr lang="de-DE" dirty="0"/>
           </a:p>
         </p:txBody>
       </p:sp>
@@ -631,7 +631,7 @@
               <a:rPr lang="de-DE" smtClean="0"/>
               <a:t>‹#›</a:t>
             </a:fld>
-            <a:endParaRPr lang="de-DE"/>
+            <a:endParaRPr lang="de-DE" dirty="0"/>
           </a:p>
         </p:txBody>
       </p:sp>
@@ -757,7 +757,7 @@
               <a:rPr lang="de-DE" smtClean="0"/>
               <a:t>29.12.16</a:t>
             </a:fld>
-            <a:endParaRPr lang="de-DE"/>
+            <a:endParaRPr lang="de-DE" dirty="0"/>
           </a:p>
         </p:txBody>
       </p:sp>
@@ -776,7 +776,7 @@
           <a:bodyPr/>
           <a:lstStyle/>
           <a:p>
-            <a:endParaRPr lang="de-DE"/>
+            <a:endParaRPr lang="de-DE" dirty="0"/>
           </a:p>
         </p:txBody>
       </p:sp>
@@ -799,7 +799,7 @@
               <a:rPr lang="de-DE" smtClean="0"/>
               <a:t>‹#›</a:t>
             </a:fld>
-            <a:endParaRPr lang="de-DE"/>
+            <a:endParaRPr lang="de-DE" dirty="0"/>
           </a:p>
         </p:txBody>
       </p:sp>
@@ -1002,7 +1002,7 @@
               <a:rPr lang="de-DE" smtClean="0"/>
               <a:t>29.12.16</a:t>
             </a:fld>
-            <a:endParaRPr lang="de-DE"/>
+            <a:endParaRPr lang="de-DE" dirty="0"/>
           </a:p>
         </p:txBody>
       </p:sp>
@@ -1021,7 +1021,7 @@
           <a:bodyPr/>
           <a:lstStyle/>
           <a:p>
-            <a:endParaRPr lang="de-DE"/>
+            <a:endParaRPr lang="de-DE" dirty="0"/>
           </a:p>
         </p:txBody>
       </p:sp>
@@ -1044,7 +1044,7 @@
               <a:rPr lang="de-DE" smtClean="0"/>
               <a:t>‹#›</a:t>
             </a:fld>
-            <a:endParaRPr lang="de-DE"/>
+            <a:endParaRPr lang="de-DE" dirty="0"/>
           </a:p>
         </p:txBody>
       </p:sp>
@@ -1231,7 +1231,7 @@
               <a:rPr lang="de-DE" smtClean="0"/>
               <a:t>29.12.16</a:t>
             </a:fld>
-            <a:endParaRPr lang="de-DE"/>
+            <a:endParaRPr lang="de-DE" dirty="0"/>
           </a:p>
         </p:txBody>
       </p:sp>
@@ -1250,7 +1250,7 @@
           <a:bodyPr/>
           <a:lstStyle/>
           <a:p>
-            <a:endParaRPr lang="de-DE"/>
+            <a:endParaRPr lang="de-DE" dirty="0"/>
           </a:p>
         </p:txBody>
       </p:sp>
@@ -1273,7 +1273,7 @@
               <a:rPr lang="de-DE" smtClean="0"/>
               <a:t>‹#›</a:t>
             </a:fld>
-            <a:endParaRPr lang="de-DE"/>
+            <a:endParaRPr lang="de-DE" dirty="0"/>
           </a:p>
         </p:txBody>
       </p:sp>
@@ -1595,7 +1595,7 @@
               <a:rPr lang="de-DE" smtClean="0"/>
               <a:t>29.12.16</a:t>
             </a:fld>
-            <a:endParaRPr lang="de-DE"/>
+            <a:endParaRPr lang="de-DE" dirty="0"/>
           </a:p>
         </p:txBody>
       </p:sp>
@@ -1614,7 +1614,7 @@
           <a:bodyPr/>
           <a:lstStyle/>
           <a:p>
-            <a:endParaRPr lang="de-DE"/>
+            <a:endParaRPr lang="de-DE" dirty="0"/>
           </a:p>
         </p:txBody>
       </p:sp>
@@ -1637,7 +1637,7 @@
               <a:rPr lang="de-DE" smtClean="0"/>
               <a:t>‹#›</a:t>
             </a:fld>
-            <a:endParaRPr lang="de-DE"/>
+            <a:endParaRPr lang="de-DE" dirty="0"/>
           </a:p>
         </p:txBody>
       </p:sp>
@@ -1712,7 +1712,7 @@
               <a:rPr lang="de-DE" smtClean="0"/>
               <a:t>29.12.16</a:t>
             </a:fld>
-            <a:endParaRPr lang="de-DE"/>
+            <a:endParaRPr lang="de-DE" dirty="0"/>
           </a:p>
         </p:txBody>
       </p:sp>
@@ -1731,7 +1731,7 @@
           <a:bodyPr/>
           <a:lstStyle/>
           <a:p>
-            <a:endParaRPr lang="de-DE"/>
+            <a:endParaRPr lang="de-DE" dirty="0"/>
           </a:p>
         </p:txBody>
       </p:sp>
@@ -1754,7 +1754,7 @@
               <a:rPr lang="de-DE" smtClean="0"/>
               <a:t>‹#›</a:t>
             </a:fld>
-            <a:endParaRPr lang="de-DE"/>
+            <a:endParaRPr lang="de-DE" dirty="0"/>
           </a:p>
         </p:txBody>
       </p:sp>
@@ -1807,7 +1807,7 @@
               <a:rPr lang="de-DE" smtClean="0"/>
               <a:t>29.12.16</a:t>
             </a:fld>
-            <a:endParaRPr lang="de-DE"/>
+            <a:endParaRPr lang="de-DE" dirty="0"/>
           </a:p>
         </p:txBody>
       </p:sp>
@@ -1826,7 +1826,7 @@
           <a:bodyPr/>
           <a:lstStyle/>
           <a:p>
-            <a:endParaRPr lang="de-DE"/>
+            <a:endParaRPr lang="de-DE" dirty="0"/>
           </a:p>
         </p:txBody>
       </p:sp>
@@ -1849,7 +1849,7 @@
               <a:rPr lang="de-DE" smtClean="0"/>
               <a:t>‹#›</a:t>
             </a:fld>
-            <a:endParaRPr lang="de-DE"/>
+            <a:endParaRPr lang="de-DE" dirty="0"/>
           </a:p>
         </p:txBody>
       </p:sp>
@@ -2082,7 +2082,7 @@
               <a:rPr lang="de-DE" smtClean="0"/>
               <a:t>29.12.16</a:t>
             </a:fld>
-            <a:endParaRPr lang="de-DE"/>
+            <a:endParaRPr lang="de-DE" dirty="0"/>
           </a:p>
         </p:txBody>
       </p:sp>
@@ -2101,7 +2101,7 @@
           <a:bodyPr/>
           <a:lstStyle/>
           <a:p>
-            <a:endParaRPr lang="de-DE"/>
+            <a:endParaRPr lang="de-DE" dirty="0"/>
           </a:p>
         </p:txBody>
       </p:sp>
@@ -2124,7 +2124,7 @@
               <a:rPr lang="de-DE" smtClean="0"/>
               <a:t>‹#›</a:t>
             </a:fld>
-            <a:endParaRPr lang="de-DE"/>
+            <a:endParaRPr lang="de-DE" dirty="0"/>
           </a:p>
         </p:txBody>
       </p:sp>
@@ -2246,7 +2246,7 @@
             </a:lvl9pPr>
           </a:lstStyle>
           <a:p>
-            <a:endParaRPr lang="de-DE"/>
+            <a:endParaRPr lang="de-DE" dirty="0"/>
           </a:p>
         </p:txBody>
       </p:sp>
@@ -2334,7 +2334,7 @@
               <a:rPr lang="de-DE" smtClean="0"/>
               <a:t>29.12.16</a:t>
             </a:fld>
-            <a:endParaRPr lang="de-DE"/>
+            <a:endParaRPr lang="de-DE" dirty="0"/>
           </a:p>
         </p:txBody>
       </p:sp>
@@ -2353,7 +2353,7 @@
           <a:bodyPr/>
           <a:lstStyle/>
           <a:p>
-            <a:endParaRPr lang="de-DE"/>
+            <a:endParaRPr lang="de-DE" dirty="0"/>
           </a:p>
         </p:txBody>
       </p:sp>
@@ -2376,7 +2376,7 @@
               <a:rPr lang="de-DE" smtClean="0"/>
               <a:t>‹#›</a:t>
             </a:fld>
-            <a:endParaRPr lang="de-DE"/>
+            <a:endParaRPr lang="de-DE" dirty="0"/>
           </a:p>
         </p:txBody>
       </p:sp>
@@ -2545,7 +2545,7 @@
               <a:rPr lang="de-DE" smtClean="0"/>
               <a:t>29.12.16</a:t>
             </a:fld>
-            <a:endParaRPr lang="de-DE"/>
+            <a:endParaRPr lang="de-DE" dirty="0"/>
           </a:p>
         </p:txBody>
       </p:sp>
@@ -2582,7 +2582,7 @@
             </a:lvl1pPr>
           </a:lstStyle>
           <a:p>
-            <a:endParaRPr lang="de-DE"/>
+            <a:endParaRPr lang="de-DE" dirty="0"/>
           </a:p>
         </p:txBody>
       </p:sp>
@@ -2623,7 +2623,7 @@
               <a:rPr lang="de-DE" smtClean="0"/>
               <a:t>‹#›</a:t>
             </a:fld>
-            <a:endParaRPr lang="de-DE"/>
+            <a:endParaRPr lang="de-DE" dirty="0"/>
           </a:p>
         </p:txBody>
       </p:sp>
@@ -2978,7 +2978,7 @@
         </p:blipFill>
         <p:spPr bwMode="auto">
           <a:xfrm>
-            <a:off x="966469" y="2590445"/>
+            <a:off x="1228949" y="2617359"/>
             <a:ext cx="1518448" cy="1518448"/>
           </a:xfrm>
           <a:prstGeom prst="rect">
@@ -3051,7 +3051,7 @@
             <a:pPr algn="ctr"/>
             <a:r>
               <a:rPr lang="en-US" sz="1000" b="1" dirty="0" smtClean="0"/>
-              <a:t>Your Skill Lambda</a:t>
+              <a:t>Skill Lambda</a:t>
             </a:r>
             <a:endParaRPr lang="en-US" sz="1000" b="1" dirty="0"/>
           </a:p>
@@ -3065,7 +3065,7 @@
         </p:nvSpPr>
         <p:spPr>
           <a:xfrm>
-            <a:off x="3088507" y="3914331"/>
+            <a:off x="3207775" y="3914331"/>
             <a:ext cx="825006" cy="335964"/>
           </a:xfrm>
           <a:prstGeom prst="rect">
@@ -3130,7 +3130,7 @@
         </p:blipFill>
         <p:spPr bwMode="auto">
           <a:xfrm>
-            <a:off x="2942488" y="2954722"/>
+            <a:off x="3035252" y="2954722"/>
             <a:ext cx="1117044" cy="959608"/>
           </a:xfrm>
           <a:prstGeom prst="rect">
@@ -3150,92 +3150,14 @@
       </p:pic>
       <p:cxnSp>
         <p:nvCxnSpPr>
-          <p:cNvPr id="36" name="Straight Connector 34"/>
-          <p:cNvCxnSpPr/>
-          <p:nvPr/>
-        </p:nvCxnSpPr>
-        <p:spPr>
-          <a:xfrm flipH="1">
-            <a:off x="2136464" y="3217708"/>
-            <a:ext cx="834305" cy="0"/>
-          </a:xfrm>
-          <a:prstGeom prst="line">
-            <a:avLst/>
-          </a:prstGeom>
-          <a:ln w="57150">
-            <a:solidFill>
-              <a:schemeClr val="bg1">
-                <a:lumMod val="75000"/>
-              </a:schemeClr>
-            </a:solidFill>
-            <a:headEnd type="triangle" w="med" len="med"/>
-            <a:tailEnd type="none" w="med" len="med"/>
-          </a:ln>
-        </p:spPr>
-        <p:style>
-          <a:lnRef idx="1">
-            <a:schemeClr val="accent2"/>
-          </a:lnRef>
-          <a:fillRef idx="0">
-            <a:schemeClr val="accent2"/>
-          </a:fillRef>
-          <a:effectRef idx="0">
-            <a:schemeClr val="accent2"/>
-          </a:effectRef>
-          <a:fontRef idx="minor">
-            <a:schemeClr val="tx1"/>
-          </a:fontRef>
-        </p:style>
-      </p:cxnSp>
-      <p:cxnSp>
-        <p:nvCxnSpPr>
-          <p:cNvPr id="37" name="Straight Connector 34"/>
-          <p:cNvCxnSpPr/>
-          <p:nvPr/>
-        </p:nvCxnSpPr>
-        <p:spPr>
-          <a:xfrm flipH="1">
-            <a:off x="2136464" y="3549218"/>
-            <a:ext cx="834305" cy="0"/>
-          </a:xfrm>
-          <a:prstGeom prst="line">
-            <a:avLst/>
-          </a:prstGeom>
-          <a:ln w="57150">
-            <a:solidFill>
-              <a:schemeClr val="bg1">
-                <a:lumMod val="75000"/>
-              </a:schemeClr>
-            </a:solidFill>
-            <a:headEnd type="none" w="med" len="med"/>
-            <a:tailEnd type="triangle" w="med" len="med"/>
-          </a:ln>
-        </p:spPr>
-        <p:style>
-          <a:lnRef idx="1">
-            <a:schemeClr val="accent2"/>
-          </a:lnRef>
-          <a:fillRef idx="0">
-            <a:schemeClr val="accent2"/>
-          </a:fillRef>
-          <a:effectRef idx="0">
-            <a:schemeClr val="accent2"/>
-          </a:effectRef>
-          <a:fontRef idx="minor">
-            <a:schemeClr val="tx1"/>
-          </a:fontRef>
-        </p:style>
-      </p:cxnSp>
-      <p:cxnSp>
-        <p:nvCxnSpPr>
           <p:cNvPr id="45" name="Straight Connector 34"/>
           <p:cNvCxnSpPr/>
           <p:nvPr/>
         </p:nvCxnSpPr>
         <p:spPr>
           <a:xfrm flipH="1">
-            <a:off x="3938806" y="3217708"/>
-            <a:ext cx="834305" cy="0"/>
+            <a:off x="4059532" y="3217708"/>
+            <a:ext cx="713580" cy="0"/>
           </a:xfrm>
           <a:prstGeom prst="line">
             <a:avLst/>
@@ -3273,8 +3195,8 @@
         </p:nvCxnSpPr>
         <p:spPr>
           <a:xfrm flipH="1">
-            <a:off x="3938806" y="3549218"/>
-            <a:ext cx="834305" cy="0"/>
+            <a:off x="4059532" y="3549218"/>
+            <a:ext cx="713580" cy="0"/>
           </a:xfrm>
           <a:prstGeom prst="line">
             <a:avLst/>
@@ -3390,11 +3312,7 @@
             <a:pPr algn="ctr"/>
             <a:r>
               <a:rPr lang="en-US" sz="1000" b="1" dirty="0" smtClean="0"/>
-              <a:t>AWS </a:t>
-            </a:r>
-            <a:r>
-              <a:rPr lang="en-US" sz="1000" b="1" dirty="0" err="1" smtClean="0"/>
-              <a:t>CloudWatch</a:t>
+              <a:t>AWS CloudWatch</a:t>
             </a:r>
             <a:endParaRPr lang="en-US" sz="1000" b="1" dirty="0"/>
           </a:p>
@@ -3416,7 +3334,7 @@
         </p:blipFill>
         <p:spPr>
           <a:xfrm>
-            <a:off x="8095361" y="1537520"/>
+            <a:off x="8172888" y="2877962"/>
             <a:ext cx="449811" cy="356747"/>
           </a:xfrm>
           <a:prstGeom prst="rect">
@@ -4209,6 +4127,84 @@
           </a:p>
         </p:txBody>
       </p:sp>
+      <p:cxnSp>
+        <p:nvCxnSpPr>
+          <p:cNvPr id="92" name="Straight Connector 34"/>
+          <p:cNvCxnSpPr/>
+          <p:nvPr/>
+        </p:nvCxnSpPr>
+        <p:spPr>
+          <a:xfrm flipH="1">
+            <a:off x="2396890" y="3234709"/>
+            <a:ext cx="713580" cy="0"/>
+          </a:xfrm>
+          <a:prstGeom prst="line">
+            <a:avLst/>
+          </a:prstGeom>
+          <a:ln w="57150">
+            <a:solidFill>
+              <a:schemeClr val="bg1">
+                <a:lumMod val="75000"/>
+              </a:schemeClr>
+            </a:solidFill>
+            <a:headEnd type="triangle" w="med" len="med"/>
+            <a:tailEnd type="none" w="med" len="med"/>
+          </a:ln>
+        </p:spPr>
+        <p:style>
+          <a:lnRef idx="1">
+            <a:schemeClr val="accent2"/>
+          </a:lnRef>
+          <a:fillRef idx="0">
+            <a:schemeClr val="accent2"/>
+          </a:fillRef>
+          <a:effectRef idx="0">
+            <a:schemeClr val="accent2"/>
+          </a:effectRef>
+          <a:fontRef idx="minor">
+            <a:schemeClr val="tx1"/>
+          </a:fontRef>
+        </p:style>
+      </p:cxnSp>
+      <p:cxnSp>
+        <p:nvCxnSpPr>
+          <p:cNvPr id="93" name="Straight Connector 34"/>
+          <p:cNvCxnSpPr/>
+          <p:nvPr/>
+        </p:nvCxnSpPr>
+        <p:spPr>
+          <a:xfrm flipH="1">
+            <a:off x="2396890" y="3566219"/>
+            <a:ext cx="713580" cy="0"/>
+          </a:xfrm>
+          <a:prstGeom prst="line">
+            <a:avLst/>
+          </a:prstGeom>
+          <a:ln w="57150">
+            <a:solidFill>
+              <a:schemeClr val="bg1">
+                <a:lumMod val="75000"/>
+              </a:schemeClr>
+            </a:solidFill>
+            <a:headEnd type="none" w="med" len="med"/>
+            <a:tailEnd type="triangle" w="med" len="med"/>
+          </a:ln>
+        </p:spPr>
+        <p:style>
+          <a:lnRef idx="1">
+            <a:schemeClr val="accent2"/>
+          </a:lnRef>
+          <a:fillRef idx="0">
+            <a:schemeClr val="accent2"/>
+          </a:fillRef>
+          <a:effectRef idx="0">
+            <a:schemeClr val="accent2"/>
+          </a:effectRef>
+          <a:fontRef idx="minor">
+            <a:schemeClr val="tx1"/>
+          </a:fontRef>
+        </p:style>
+      </p:cxnSp>
     </p:spTree>
     <p:extLst>
       <p:ext uri="{BB962C8B-B14F-4D97-AF65-F5344CB8AC3E}">
@@ -4219,6 +4215,13 @@
   <p:clrMapOvr>
     <a:masterClrMapping/>
   </p:clrMapOvr>
+  <p:timing>
+    <p:tnLst>
+      <p:par>
+        <p:cTn id="1" dur="indefinite" restart="never" nodeType="tmRoot"/>
+      </p:par>
+    </p:tnLst>
+  </p:timing>
 </p:sld>
 </file>
 

--- a/docs/live-testing.pptx
+++ b/docs/live-testing.pptx
@@ -241,7 +241,7 @@
           <a:p>
             <a:fld id="{BBDCF4EB-1403-41AA-A68E-9DA0E684C70F}" type="datetimeFigureOut">
               <a:rPr lang="de-DE" smtClean="0"/>
-              <a:t>29.12.16</a:t>
+              <a:t>26.11.17</a:t>
             </a:fld>
             <a:endParaRPr lang="de-DE" dirty="0"/>
           </a:p>
@@ -409,7 +409,7 @@
           <a:p>
             <a:fld id="{BBDCF4EB-1403-41AA-A68E-9DA0E684C70F}" type="datetimeFigureOut">
               <a:rPr lang="de-DE" smtClean="0"/>
-              <a:t>29.12.16</a:t>
+              <a:t>26.11.17</a:t>
             </a:fld>
             <a:endParaRPr lang="de-DE" dirty="0"/>
           </a:p>
@@ -587,7 +587,7 @@
           <a:p>
             <a:fld id="{BBDCF4EB-1403-41AA-A68E-9DA0E684C70F}" type="datetimeFigureOut">
               <a:rPr lang="de-DE" smtClean="0"/>
-              <a:t>29.12.16</a:t>
+              <a:t>26.11.17</a:t>
             </a:fld>
             <a:endParaRPr lang="de-DE" dirty="0"/>
           </a:p>
@@ -755,7 +755,7 @@
           <a:p>
             <a:fld id="{BBDCF4EB-1403-41AA-A68E-9DA0E684C70F}" type="datetimeFigureOut">
               <a:rPr lang="de-DE" smtClean="0"/>
-              <a:t>29.12.16</a:t>
+              <a:t>26.11.17</a:t>
             </a:fld>
             <a:endParaRPr lang="de-DE" dirty="0"/>
           </a:p>
@@ -1000,7 +1000,7 @@
           <a:p>
             <a:fld id="{BBDCF4EB-1403-41AA-A68E-9DA0E684C70F}" type="datetimeFigureOut">
               <a:rPr lang="de-DE" smtClean="0"/>
-              <a:t>29.12.16</a:t>
+              <a:t>26.11.17</a:t>
             </a:fld>
             <a:endParaRPr lang="de-DE" dirty="0"/>
           </a:p>
@@ -1229,7 +1229,7 @@
           <a:p>
             <a:fld id="{BBDCF4EB-1403-41AA-A68E-9DA0E684C70F}" type="datetimeFigureOut">
               <a:rPr lang="de-DE" smtClean="0"/>
-              <a:t>29.12.16</a:t>
+              <a:t>26.11.17</a:t>
             </a:fld>
             <a:endParaRPr lang="de-DE" dirty="0"/>
           </a:p>
@@ -1593,7 +1593,7 @@
           <a:p>
             <a:fld id="{BBDCF4EB-1403-41AA-A68E-9DA0E684C70F}" type="datetimeFigureOut">
               <a:rPr lang="de-DE" smtClean="0"/>
-              <a:t>29.12.16</a:t>
+              <a:t>26.11.17</a:t>
             </a:fld>
             <a:endParaRPr lang="de-DE" dirty="0"/>
           </a:p>
@@ -1710,7 +1710,7 @@
           <a:p>
             <a:fld id="{BBDCF4EB-1403-41AA-A68E-9DA0E684C70F}" type="datetimeFigureOut">
               <a:rPr lang="de-DE" smtClean="0"/>
-              <a:t>29.12.16</a:t>
+              <a:t>26.11.17</a:t>
             </a:fld>
             <a:endParaRPr lang="de-DE" dirty="0"/>
           </a:p>
@@ -1805,7 +1805,7 @@
           <a:p>
             <a:fld id="{BBDCF4EB-1403-41AA-A68E-9DA0E684C70F}" type="datetimeFigureOut">
               <a:rPr lang="de-DE" smtClean="0"/>
-              <a:t>29.12.16</a:t>
+              <a:t>26.11.17</a:t>
             </a:fld>
             <a:endParaRPr lang="de-DE" dirty="0"/>
           </a:p>
@@ -2080,7 +2080,7 @@
           <a:p>
             <a:fld id="{BBDCF4EB-1403-41AA-A68E-9DA0E684C70F}" type="datetimeFigureOut">
               <a:rPr lang="de-DE" smtClean="0"/>
-              <a:t>29.12.16</a:t>
+              <a:t>26.11.17</a:t>
             </a:fld>
             <a:endParaRPr lang="de-DE" dirty="0"/>
           </a:p>
@@ -2332,7 +2332,7 @@
           <a:p>
             <a:fld id="{BBDCF4EB-1403-41AA-A68E-9DA0E684C70F}" type="datetimeFigureOut">
               <a:rPr lang="de-DE" smtClean="0"/>
-              <a:t>29.12.16</a:t>
+              <a:t>26.11.17</a:t>
             </a:fld>
             <a:endParaRPr lang="de-DE" dirty="0"/>
           </a:p>
@@ -2543,7 +2543,7 @@
           <a:p>
             <a:fld id="{BBDCF4EB-1403-41AA-A68E-9DA0E684C70F}" type="datetimeFigureOut">
               <a:rPr lang="de-DE" smtClean="0"/>
-              <a:t>29.12.16</a:t>
+              <a:t>26.11.17</a:t>
             </a:fld>
             <a:endParaRPr lang="de-DE" dirty="0"/>
           </a:p>
@@ -2948,1263 +2948,1280 @@
           <a:chExt cx="0" cy="0"/>
         </a:xfrm>
       </p:grpSpPr>
-      <p:pic>
-        <p:nvPicPr>
-          <p:cNvPr id="1028" name="Picture 4" descr="http://www.androidheadlines.com/wp-content/uploads/2015/12/amazon-echo.jpg"/>
-          <p:cNvPicPr>
-            <a:picLocks noChangeAspect="1" noChangeArrowheads="1"/>
-          </p:cNvPicPr>
+      <p:grpSp>
+        <p:nvGrpSpPr>
+          <p:cNvPr id="2" name="Group 1"/>
+          <p:cNvGrpSpPr/>
           <p:nvPr/>
-        </p:nvPicPr>
-        <p:blipFill>
-          <a:blip r:embed="rId2">
-            <a:duotone>
-              <a:schemeClr val="accent3">
-                <a:shade val="45000"/>
-                <a:satMod val="135000"/>
-              </a:schemeClr>
-              <a:prstClr val="white"/>
-            </a:duotone>
+        </p:nvGrpSpPr>
+        <p:grpSpPr>
+          <a:xfrm>
+            <a:off x="1228949" y="2617359"/>
+            <a:ext cx="9572965" cy="3641390"/>
+            <a:chOff x="1228949" y="2617359"/>
+            <a:chExt cx="9572965" cy="3641390"/>
+          </a:xfrm>
+        </p:grpSpPr>
+        <p:pic>
+          <p:nvPicPr>
+            <p:cNvPr id="1028" name="Picture 4" descr="http://www.androidheadlines.com/wp-content/uploads/2015/12/amazon-echo.jpg"/>
+            <p:cNvPicPr>
+              <a:picLocks noChangeAspect="1" noChangeArrowheads="1"/>
+            </p:cNvPicPr>
+            <p:nvPr/>
+          </p:nvPicPr>
+          <p:blipFill>
+            <a:blip r:embed="rId2">
+              <a:duotone>
+                <a:schemeClr val="accent3">
+                  <a:shade val="45000"/>
+                  <a:satMod val="135000"/>
+                </a:schemeClr>
+                <a:prstClr val="white"/>
+              </a:duotone>
+              <a:extLst>
+                <a:ext uri="{28A0092B-C50C-407E-A947-70E740481C1C}">
+                  <a14:useLocalDpi xmlns:a14="http://schemas.microsoft.com/office/drawing/2010/main" val="0"/>
+                </a:ext>
+              </a:extLst>
+            </a:blip>
+            <a:srcRect/>
+            <a:stretch>
+              <a:fillRect/>
+            </a:stretch>
+          </p:blipFill>
+          <p:spPr bwMode="auto">
+            <a:xfrm>
+              <a:off x="1228949" y="2617359"/>
+              <a:ext cx="1518448" cy="1518448"/>
+            </a:xfrm>
+            <a:prstGeom prst="rect">
+              <a:avLst/>
+            </a:prstGeom>
+            <a:noFill/>
             <a:extLst>
-              <a:ext uri="{28A0092B-C50C-407E-A947-70E740481C1C}">
-                <a14:useLocalDpi xmlns:a14="http://schemas.microsoft.com/office/drawing/2010/main" val="0"/>
+              <a:ext uri="{909E8E84-426E-40DD-AFC4-6F175D3DCCD1}">
+                <a14:hiddenFill xmlns:a14="http://schemas.microsoft.com/office/drawing/2010/main">
+                  <a:solidFill>
+                    <a:srgbClr val="FFFFFF"/>
+                  </a:solidFill>
+                </a14:hiddenFill>
               </a:ext>
             </a:extLst>
-          </a:blip>
-          <a:srcRect/>
-          <a:stretch>
-            <a:fillRect/>
-          </a:stretch>
-        </p:blipFill>
-        <p:spPr bwMode="auto">
-          <a:xfrm>
-            <a:off x="1228949" y="2617359"/>
-            <a:ext cx="1518448" cy="1518448"/>
-          </a:xfrm>
-          <a:prstGeom prst="rect">
-            <a:avLst/>
-          </a:prstGeom>
-          <a:noFill/>
-          <a:extLst>
-            <a:ext uri="{909E8E84-426E-40DD-AFC4-6F175D3DCCD1}">
-              <a14:hiddenFill xmlns:a14="http://schemas.microsoft.com/office/drawing/2010/main">
-                <a:solidFill>
-                  <a:srgbClr val="FFFFFF"/>
-                </a:solidFill>
-              </a14:hiddenFill>
-            </a:ext>
-          </a:extLst>
-        </p:spPr>
-      </p:pic>
-      <p:pic>
-        <p:nvPicPr>
-          <p:cNvPr id="10" name="Picture 9"/>
-          <p:cNvPicPr>
-            <a:picLocks noChangeAspect="1"/>
-          </p:cNvPicPr>
-          <p:nvPr/>
-        </p:nvPicPr>
-        <p:blipFill>
-          <a:blip r:embed="rId3">
-            <a:extLst>
-              <a:ext uri="{28A0092B-C50C-407E-A947-70E740481C1C}">
-                <a14:useLocalDpi xmlns:a14="http://schemas.microsoft.com/office/drawing/2010/main" val="0"/>
-              </a:ext>
-            </a:extLst>
-          </a:blip>
-          <a:stretch>
-            <a:fillRect/>
-          </a:stretch>
-        </p:blipFill>
-        <p:spPr>
-          <a:xfrm>
-            <a:off x="4882923" y="3007754"/>
-            <a:ext cx="684894" cy="821874"/>
-          </a:xfrm>
-          <a:prstGeom prst="rect">
-            <a:avLst/>
-          </a:prstGeom>
-        </p:spPr>
-      </p:pic>
-      <p:sp>
-        <p:nvSpPr>
-          <p:cNvPr id="11" name="TextBox 504"/>
-          <p:cNvSpPr txBox="1"/>
-          <p:nvPr/>
-        </p:nvSpPr>
-        <p:spPr>
-          <a:xfrm>
-            <a:off x="4825972" y="3914330"/>
-            <a:ext cx="825006" cy="155632"/>
-          </a:xfrm>
-          <a:prstGeom prst="rect">
-            <a:avLst/>
-          </a:prstGeom>
-          <a:noFill/>
-        </p:spPr>
-        <p:txBody>
-          <a:bodyPr wrap="square" lIns="0" tIns="0" rIns="0" bIns="0" rtlCol="0" anchor="t">
-            <a:noAutofit/>
-          </a:bodyPr>
-          <a:lstStyle/>
-          <a:p>
-            <a:pPr algn="ctr"/>
-            <a:r>
-              <a:rPr lang="en-US" sz="1000" b="1" dirty="0" smtClean="0"/>
-              <a:t>Skill Lambda</a:t>
-            </a:r>
-            <a:endParaRPr lang="en-US" sz="1000" b="1" dirty="0"/>
-          </a:p>
-        </p:txBody>
-      </p:sp>
-      <p:sp>
-        <p:nvSpPr>
-          <p:cNvPr id="12" name="TextBox 504"/>
-          <p:cNvSpPr txBox="1"/>
-          <p:nvPr/>
-        </p:nvSpPr>
-        <p:spPr>
-          <a:xfrm>
-            <a:off x="3207775" y="3914331"/>
-            <a:ext cx="825006" cy="335964"/>
-          </a:xfrm>
-          <a:prstGeom prst="rect">
-            <a:avLst/>
-          </a:prstGeom>
-          <a:noFill/>
-        </p:spPr>
-        <p:txBody>
-          <a:bodyPr wrap="square" lIns="0" tIns="0" rIns="0" bIns="0" rtlCol="0" anchor="t">
-            <a:noAutofit/>
-          </a:bodyPr>
-          <a:lstStyle/>
-          <a:p>
-            <a:pPr algn="ctr"/>
-            <a:r>
-              <a:rPr lang="en-US" sz="1000" b="1" dirty="0" smtClean="0">
+          </p:spPr>
+        </p:pic>
+        <p:pic>
+          <p:nvPicPr>
+            <p:cNvPr id="10" name="Picture 9"/>
+            <p:cNvPicPr>
+              <a:picLocks noChangeAspect="1"/>
+            </p:cNvPicPr>
+            <p:nvPr/>
+          </p:nvPicPr>
+          <p:blipFill>
+            <a:blip r:embed="rId3">
+              <a:extLst>
+                <a:ext uri="{28A0092B-C50C-407E-A947-70E740481C1C}">
+                  <a14:useLocalDpi xmlns:a14="http://schemas.microsoft.com/office/drawing/2010/main" val="0"/>
+                </a:ext>
+              </a:extLst>
+            </a:blip>
+            <a:stretch>
+              <a:fillRect/>
+            </a:stretch>
+          </p:blipFill>
+          <p:spPr>
+            <a:xfrm>
+              <a:off x="4882923" y="3007754"/>
+              <a:ext cx="684894" cy="821874"/>
+            </a:xfrm>
+            <a:prstGeom prst="rect">
+              <a:avLst/>
+            </a:prstGeom>
+          </p:spPr>
+        </p:pic>
+        <p:sp>
+          <p:nvSpPr>
+            <p:cNvPr id="11" name="TextBox 504"/>
+            <p:cNvSpPr txBox="1"/>
+            <p:nvPr/>
+          </p:nvSpPr>
+          <p:spPr>
+            <a:xfrm>
+              <a:off x="4825972" y="3914330"/>
+              <a:ext cx="825006" cy="155632"/>
+            </a:xfrm>
+            <a:prstGeom prst="rect">
+              <a:avLst/>
+            </a:prstGeom>
+            <a:noFill/>
+          </p:spPr>
+          <p:txBody>
+            <a:bodyPr wrap="square" lIns="0" tIns="0" rIns="0" bIns="0" rtlCol="0" anchor="t">
+              <a:noAutofit/>
+            </a:bodyPr>
+            <a:lstStyle/>
+            <a:p>
+              <a:pPr algn="ctr"/>
+              <a:r>
+                <a:rPr lang="en-US" sz="1000" b="1" dirty="0" smtClean="0"/>
+                <a:t>Skill Lambda</a:t>
+              </a:r>
+              <a:endParaRPr lang="en-US" sz="1000" b="1" dirty="0"/>
+            </a:p>
+          </p:txBody>
+        </p:sp>
+        <p:sp>
+          <p:nvSpPr>
+            <p:cNvPr id="12" name="TextBox 504"/>
+            <p:cNvSpPr txBox="1"/>
+            <p:nvPr/>
+          </p:nvSpPr>
+          <p:spPr>
+            <a:xfrm>
+              <a:off x="3207775" y="3914331"/>
+              <a:ext cx="825006" cy="335964"/>
+            </a:xfrm>
+            <a:prstGeom prst="rect">
+              <a:avLst/>
+            </a:prstGeom>
+            <a:noFill/>
+          </p:spPr>
+          <p:txBody>
+            <a:bodyPr wrap="square" lIns="0" tIns="0" rIns="0" bIns="0" rtlCol="0" anchor="t">
+              <a:noAutofit/>
+            </a:bodyPr>
+            <a:lstStyle/>
+            <a:p>
+              <a:pPr algn="ctr"/>
+              <a:r>
+                <a:rPr lang="en-US" sz="1000" b="1" dirty="0" smtClean="0">
+                  <a:solidFill>
+                    <a:schemeClr val="bg1">
+                      <a:lumMod val="50000"/>
+                    </a:schemeClr>
+                  </a:solidFill>
+                </a:rPr>
+                <a:t>Your Alexa Skill</a:t>
+              </a:r>
+              <a:endParaRPr lang="en-US" sz="1000" b="1" dirty="0">
                 <a:solidFill>
                   <a:schemeClr val="bg1">
                     <a:lumMod val="50000"/>
                   </a:schemeClr>
                 </a:solidFill>
-              </a:rPr>
-              <a:t>Your Alexa Skill</a:t>
-            </a:r>
-            <a:endParaRPr lang="en-US" sz="1000" b="1" dirty="0">
+              </a:endParaRPr>
+            </a:p>
+          </p:txBody>
+        </p:sp>
+        <p:pic>
+          <p:nvPicPr>
+            <p:cNvPr id="1026" name="Picture 2" descr="https://developer.amazon.com/public/binaries/content/gallery/developerportalpublic/solutions/alexa/dp_image_kit_02.png"/>
+            <p:cNvPicPr>
+              <a:picLocks noChangeAspect="1" noChangeArrowheads="1"/>
+            </p:cNvPicPr>
+            <p:nvPr/>
+          </p:nvPicPr>
+          <p:blipFill>
+            <a:blip r:embed="rId4">
+              <a:duotone>
+                <a:schemeClr val="accent3">
+                  <a:shade val="45000"/>
+                  <a:satMod val="135000"/>
+                </a:schemeClr>
+                <a:prstClr val="white"/>
+              </a:duotone>
+              <a:extLst>
+                <a:ext uri="{28A0092B-C50C-407E-A947-70E740481C1C}">
+                  <a14:useLocalDpi xmlns:a14="http://schemas.microsoft.com/office/drawing/2010/main" val="0"/>
+                </a:ext>
+              </a:extLst>
+            </a:blip>
+            <a:srcRect/>
+            <a:stretch>
+              <a:fillRect/>
+            </a:stretch>
+          </p:blipFill>
+          <p:spPr bwMode="auto">
+            <a:xfrm>
+              <a:off x="3035252" y="2954722"/>
+              <a:ext cx="1117044" cy="959608"/>
+            </a:xfrm>
+            <a:prstGeom prst="rect">
+              <a:avLst/>
+            </a:prstGeom>
+            <a:noFill/>
+            <a:extLst>
+              <a:ext uri="{909E8E84-426E-40DD-AFC4-6F175D3DCCD1}">
+                <a14:hiddenFill xmlns:a14="http://schemas.microsoft.com/office/drawing/2010/main">
+                  <a:solidFill>
+                    <a:srgbClr val="FFFFFF"/>
+                  </a:solidFill>
+                </a14:hiddenFill>
+              </a:ext>
+            </a:extLst>
+          </p:spPr>
+        </p:pic>
+        <p:cxnSp>
+          <p:nvCxnSpPr>
+            <p:cNvPr id="45" name="Straight Connector 34"/>
+            <p:cNvCxnSpPr/>
+            <p:nvPr/>
+          </p:nvCxnSpPr>
+          <p:spPr>
+            <a:xfrm flipH="1">
+              <a:off x="4059532" y="3217708"/>
+              <a:ext cx="713580" cy="0"/>
+            </a:xfrm>
+            <a:prstGeom prst="line">
+              <a:avLst/>
+            </a:prstGeom>
+            <a:ln w="57150">
               <a:solidFill>
                 <a:schemeClr val="bg1">
-                  <a:lumMod val="50000"/>
+                  <a:lumMod val="75000"/>
                 </a:schemeClr>
               </a:solidFill>
-            </a:endParaRPr>
-          </a:p>
-        </p:txBody>
-      </p:sp>
-      <p:pic>
-        <p:nvPicPr>
-          <p:cNvPr id="1026" name="Picture 2" descr="https://developer.amazon.com/public/binaries/content/gallery/developerportalpublic/solutions/alexa/dp_image_kit_02.png"/>
-          <p:cNvPicPr>
-            <a:picLocks noChangeAspect="1" noChangeArrowheads="1"/>
-          </p:cNvPicPr>
-          <p:nvPr/>
-        </p:nvPicPr>
-        <p:blipFill>
-          <a:blip r:embed="rId4">
-            <a:duotone>
-              <a:schemeClr val="accent3">
-                <a:shade val="45000"/>
-                <a:satMod val="135000"/>
-              </a:schemeClr>
-              <a:prstClr val="white"/>
-            </a:duotone>
-            <a:extLst>
-              <a:ext uri="{28A0092B-C50C-407E-A947-70E740481C1C}">
-                <a14:useLocalDpi xmlns:a14="http://schemas.microsoft.com/office/drawing/2010/main" val="0"/>
-              </a:ext>
-            </a:extLst>
-          </a:blip>
-          <a:srcRect/>
-          <a:stretch>
-            <a:fillRect/>
-          </a:stretch>
-        </p:blipFill>
-        <p:spPr bwMode="auto">
-          <a:xfrm>
-            <a:off x="3035252" y="2954722"/>
-            <a:ext cx="1117044" cy="959608"/>
-          </a:xfrm>
-          <a:prstGeom prst="rect">
-            <a:avLst/>
-          </a:prstGeom>
-          <a:noFill/>
-          <a:extLst>
-            <a:ext uri="{909E8E84-426E-40DD-AFC4-6F175D3DCCD1}">
-              <a14:hiddenFill xmlns:a14="http://schemas.microsoft.com/office/drawing/2010/main">
-                <a:solidFill>
-                  <a:srgbClr val="FFFFFF"/>
-                </a:solidFill>
-              </a14:hiddenFill>
-            </a:ext>
-          </a:extLst>
-        </p:spPr>
-      </p:pic>
-      <p:cxnSp>
-        <p:nvCxnSpPr>
-          <p:cNvPr id="45" name="Straight Connector 34"/>
-          <p:cNvCxnSpPr/>
-          <p:nvPr/>
-        </p:nvCxnSpPr>
-        <p:spPr>
-          <a:xfrm flipH="1">
-            <a:off x="4059532" y="3217708"/>
-            <a:ext cx="713580" cy="0"/>
-          </a:xfrm>
-          <a:prstGeom prst="line">
-            <a:avLst/>
-          </a:prstGeom>
-          <a:ln w="57150">
-            <a:solidFill>
-              <a:schemeClr val="bg1">
-                <a:lumMod val="75000"/>
-              </a:schemeClr>
-            </a:solidFill>
-            <a:headEnd type="triangle" w="med" len="med"/>
-            <a:tailEnd type="none" w="med" len="med"/>
-          </a:ln>
-        </p:spPr>
-        <p:style>
-          <a:lnRef idx="1">
-            <a:schemeClr val="accent2"/>
-          </a:lnRef>
-          <a:fillRef idx="0">
-            <a:schemeClr val="accent2"/>
-          </a:fillRef>
-          <a:effectRef idx="0">
-            <a:schemeClr val="accent2"/>
-          </a:effectRef>
-          <a:fontRef idx="minor">
-            <a:schemeClr val="tx1"/>
-          </a:fontRef>
-        </p:style>
-      </p:cxnSp>
-      <p:cxnSp>
-        <p:nvCxnSpPr>
-          <p:cNvPr id="46" name="Straight Connector 34"/>
-          <p:cNvCxnSpPr/>
-          <p:nvPr/>
-        </p:nvCxnSpPr>
-        <p:spPr>
-          <a:xfrm flipH="1">
-            <a:off x="4059532" y="3549218"/>
-            <a:ext cx="713580" cy="0"/>
-          </a:xfrm>
-          <a:prstGeom prst="line">
-            <a:avLst/>
-          </a:prstGeom>
-          <a:ln w="57150">
-            <a:solidFill>
-              <a:schemeClr val="bg1">
-                <a:lumMod val="75000"/>
-              </a:schemeClr>
-            </a:solidFill>
-            <a:headEnd type="none" w="med" len="med"/>
-            <a:tailEnd type="triangle" w="med" len="med"/>
-          </a:ln>
-        </p:spPr>
-        <p:style>
-          <a:lnRef idx="1">
-            <a:schemeClr val="accent2"/>
-          </a:lnRef>
-          <a:fillRef idx="0">
-            <a:schemeClr val="accent2"/>
-          </a:fillRef>
-          <a:effectRef idx="0">
-            <a:schemeClr val="accent2"/>
-          </a:effectRef>
-          <a:fontRef idx="minor">
-            <a:schemeClr val="tx1"/>
-          </a:fontRef>
-        </p:style>
-      </p:cxnSp>
-      <p:pic>
-        <p:nvPicPr>
-          <p:cNvPr id="60" name="Picture 59"/>
-          <p:cNvPicPr>
-            <a:picLocks noChangeAspect="1"/>
-          </p:cNvPicPr>
-          <p:nvPr/>
-        </p:nvPicPr>
-        <p:blipFill>
-          <a:blip r:embed="rId3">
-            <a:extLst>
-              <a:ext uri="{28A0092B-C50C-407E-A947-70E740481C1C}">
-                <a14:useLocalDpi xmlns:a14="http://schemas.microsoft.com/office/drawing/2010/main" val="0"/>
-              </a:ext>
-            </a:extLst>
-          </a:blip>
-          <a:stretch>
-            <a:fillRect/>
-          </a:stretch>
-        </p:blipFill>
-        <p:spPr>
-          <a:xfrm>
-            <a:off x="6637480" y="3031894"/>
-            <a:ext cx="684894" cy="821874"/>
-          </a:xfrm>
-          <a:prstGeom prst="rect">
-            <a:avLst/>
-          </a:prstGeom>
-        </p:spPr>
-      </p:pic>
-      <p:sp>
-        <p:nvSpPr>
-          <p:cNvPr id="61" name="TextBox 504"/>
-          <p:cNvSpPr txBox="1"/>
-          <p:nvPr/>
-        </p:nvSpPr>
-        <p:spPr>
-          <a:xfrm>
-            <a:off x="6580529" y="3938470"/>
-            <a:ext cx="825006" cy="155632"/>
-          </a:xfrm>
-          <a:prstGeom prst="rect">
-            <a:avLst/>
-          </a:prstGeom>
-          <a:noFill/>
-        </p:spPr>
-        <p:txBody>
-          <a:bodyPr wrap="square" lIns="0" tIns="0" rIns="0" bIns="0" rtlCol="0" anchor="t">
-            <a:noAutofit/>
-          </a:bodyPr>
-          <a:lstStyle/>
-          <a:p>
-            <a:pPr algn="ctr"/>
-            <a:r>
-              <a:rPr lang="en-US" sz="1000" b="1" dirty="0" smtClean="0"/>
-              <a:t>Test Lambda</a:t>
-            </a:r>
-            <a:endParaRPr lang="en-US" sz="1000" b="1" dirty="0"/>
-          </a:p>
-        </p:txBody>
-      </p:sp>
-      <p:sp>
-        <p:nvSpPr>
-          <p:cNvPr id="64" name="TextBox 504"/>
-          <p:cNvSpPr txBox="1"/>
-          <p:nvPr/>
-        </p:nvSpPr>
-        <p:spPr>
-          <a:xfrm>
-            <a:off x="8330478" y="3941191"/>
-            <a:ext cx="825006" cy="155632"/>
-          </a:xfrm>
-          <a:prstGeom prst="rect">
-            <a:avLst/>
-          </a:prstGeom>
-          <a:noFill/>
-        </p:spPr>
-        <p:txBody>
-          <a:bodyPr wrap="square" lIns="0" tIns="0" rIns="0" bIns="0" rtlCol="0" anchor="t">
-            <a:noAutofit/>
-          </a:bodyPr>
-          <a:lstStyle/>
-          <a:p>
-            <a:pPr algn="ctr"/>
-            <a:r>
-              <a:rPr lang="en-US" sz="1000" b="1" dirty="0" smtClean="0"/>
-              <a:t>AWS CloudWatch</a:t>
-            </a:r>
-            <a:endParaRPr lang="en-US" sz="1000" b="1" dirty="0"/>
-          </a:p>
-        </p:txBody>
-      </p:sp>
-      <p:pic>
-        <p:nvPicPr>
-          <p:cNvPr id="8" name="Picture 7"/>
-          <p:cNvPicPr>
-            <a:picLocks noChangeAspect="1"/>
-          </p:cNvPicPr>
-          <p:nvPr/>
-        </p:nvPicPr>
-        <p:blipFill>
-          <a:blip r:embed="rId5"/>
-          <a:stretch>
-            <a:fillRect/>
-          </a:stretch>
-        </p:blipFill>
-        <p:spPr>
-          <a:xfrm>
-            <a:off x="8172888" y="2877962"/>
-            <a:ext cx="449811" cy="356747"/>
-          </a:xfrm>
-          <a:prstGeom prst="rect">
-            <a:avLst/>
-          </a:prstGeom>
-        </p:spPr>
-      </p:pic>
-      <p:cxnSp>
-        <p:nvCxnSpPr>
-          <p:cNvPr id="65" name="Straight Connector 34"/>
-          <p:cNvCxnSpPr/>
-          <p:nvPr/>
-        </p:nvCxnSpPr>
-        <p:spPr>
-          <a:xfrm flipH="1">
-            <a:off x="7470437" y="3235222"/>
-            <a:ext cx="834305" cy="0"/>
-          </a:xfrm>
-          <a:prstGeom prst="line">
-            <a:avLst/>
-          </a:prstGeom>
-          <a:ln w="57150">
+              <a:headEnd type="triangle" w="med" len="med"/>
+              <a:tailEnd type="none" w="med" len="med"/>
+            </a:ln>
+          </p:spPr>
+          <p:style>
+            <a:lnRef idx="1">
+              <a:schemeClr val="accent2"/>
+            </a:lnRef>
+            <a:fillRef idx="0">
+              <a:schemeClr val="accent2"/>
+            </a:fillRef>
+            <a:effectRef idx="0">
+              <a:schemeClr val="accent2"/>
+            </a:effectRef>
+            <a:fontRef idx="minor">
+              <a:schemeClr val="tx1"/>
+            </a:fontRef>
+          </p:style>
+        </p:cxnSp>
+        <p:cxnSp>
+          <p:nvCxnSpPr>
+            <p:cNvPr id="46" name="Straight Connector 34"/>
+            <p:cNvCxnSpPr/>
+            <p:nvPr/>
+          </p:nvCxnSpPr>
+          <p:spPr>
+            <a:xfrm flipH="1">
+              <a:off x="4059532" y="3549218"/>
+              <a:ext cx="713580" cy="0"/>
+            </a:xfrm>
+            <a:prstGeom prst="line">
+              <a:avLst/>
+            </a:prstGeom>
+            <a:ln w="57150">
+              <a:solidFill>
+                <a:schemeClr val="bg1">
+                  <a:lumMod val="75000"/>
+                </a:schemeClr>
+              </a:solidFill>
+              <a:headEnd type="none" w="med" len="med"/>
+              <a:tailEnd type="triangle" w="med" len="med"/>
+            </a:ln>
+          </p:spPr>
+          <p:style>
+            <a:lnRef idx="1">
+              <a:schemeClr val="accent2"/>
+            </a:lnRef>
+            <a:fillRef idx="0">
+              <a:schemeClr val="accent2"/>
+            </a:fillRef>
+            <a:effectRef idx="0">
+              <a:schemeClr val="accent2"/>
+            </a:effectRef>
+            <a:fontRef idx="minor">
+              <a:schemeClr val="tx1"/>
+            </a:fontRef>
+          </p:style>
+        </p:cxnSp>
+        <p:pic>
+          <p:nvPicPr>
+            <p:cNvPr id="60" name="Picture 59"/>
+            <p:cNvPicPr>
+              <a:picLocks noChangeAspect="1"/>
+            </p:cNvPicPr>
+            <p:nvPr/>
+          </p:nvPicPr>
+          <p:blipFill>
+            <a:blip r:embed="rId3">
+              <a:extLst>
+                <a:ext uri="{28A0092B-C50C-407E-A947-70E740481C1C}">
+                  <a14:useLocalDpi xmlns:a14="http://schemas.microsoft.com/office/drawing/2010/main" val="0"/>
+                </a:ext>
+              </a:extLst>
+            </a:blip>
+            <a:stretch>
+              <a:fillRect/>
+            </a:stretch>
+          </p:blipFill>
+          <p:spPr>
+            <a:xfrm>
+              <a:off x="6637480" y="3031894"/>
+              <a:ext cx="684894" cy="821874"/>
+            </a:xfrm>
+            <a:prstGeom prst="rect">
+              <a:avLst/>
+            </a:prstGeom>
+          </p:spPr>
+        </p:pic>
+        <p:sp>
+          <p:nvSpPr>
+            <p:cNvPr id="61" name="TextBox 504"/>
+            <p:cNvSpPr txBox="1"/>
+            <p:nvPr/>
+          </p:nvSpPr>
+          <p:spPr>
+            <a:xfrm>
+              <a:off x="6580529" y="3938470"/>
+              <a:ext cx="825006" cy="155632"/>
+            </a:xfrm>
+            <a:prstGeom prst="rect">
+              <a:avLst/>
+            </a:prstGeom>
+            <a:noFill/>
+          </p:spPr>
+          <p:txBody>
+            <a:bodyPr wrap="square" lIns="0" tIns="0" rIns="0" bIns="0" rtlCol="0" anchor="t">
+              <a:noAutofit/>
+            </a:bodyPr>
+            <a:lstStyle/>
+            <a:p>
+              <a:pPr algn="ctr"/>
+              <a:r>
+                <a:rPr lang="en-US" sz="1000" b="1" dirty="0" smtClean="0"/>
+                <a:t>Test Lambda</a:t>
+              </a:r>
+              <a:endParaRPr lang="en-US" sz="1000" b="1" dirty="0"/>
+            </a:p>
+          </p:txBody>
+        </p:sp>
+        <p:sp>
+          <p:nvSpPr>
+            <p:cNvPr id="64" name="TextBox 504"/>
+            <p:cNvSpPr txBox="1"/>
+            <p:nvPr/>
+          </p:nvSpPr>
+          <p:spPr>
+            <a:xfrm>
+              <a:off x="8330478" y="3941191"/>
+              <a:ext cx="825006" cy="155632"/>
+            </a:xfrm>
+            <a:prstGeom prst="rect">
+              <a:avLst/>
+            </a:prstGeom>
+            <a:noFill/>
+          </p:spPr>
+          <p:txBody>
+            <a:bodyPr wrap="square" lIns="0" tIns="0" rIns="0" bIns="0" rtlCol="0" anchor="t">
+              <a:noAutofit/>
+            </a:bodyPr>
+            <a:lstStyle/>
+            <a:p>
+              <a:pPr algn="ctr"/>
+              <a:r>
+                <a:rPr lang="en-US" sz="1000" b="1" dirty="0" smtClean="0"/>
+                <a:t>AWS CloudWatch</a:t>
+              </a:r>
+              <a:endParaRPr lang="en-US" sz="1000" b="1" dirty="0"/>
+            </a:p>
+          </p:txBody>
+        </p:sp>
+        <p:pic>
+          <p:nvPicPr>
+            <p:cNvPr id="8" name="Picture 7"/>
+            <p:cNvPicPr>
+              <a:picLocks noChangeAspect="1"/>
+            </p:cNvPicPr>
+            <p:nvPr/>
+          </p:nvPicPr>
+          <p:blipFill>
+            <a:blip r:embed="rId5"/>
+            <a:stretch>
+              <a:fillRect/>
+            </a:stretch>
+          </p:blipFill>
+          <p:spPr>
+            <a:xfrm>
+              <a:off x="8172888" y="2877962"/>
+              <a:ext cx="449811" cy="356747"/>
+            </a:xfrm>
+            <a:prstGeom prst="rect">
+              <a:avLst/>
+            </a:prstGeom>
+          </p:spPr>
+        </p:pic>
+        <p:cxnSp>
+          <p:nvCxnSpPr>
+            <p:cNvPr id="65" name="Straight Connector 34"/>
+            <p:cNvCxnSpPr/>
+            <p:nvPr/>
+          </p:nvCxnSpPr>
+          <p:spPr>
+            <a:xfrm flipH="1">
+              <a:off x="7470437" y="3235222"/>
+              <a:ext cx="834305" cy="0"/>
+            </a:xfrm>
+            <a:prstGeom prst="line">
+              <a:avLst/>
+            </a:prstGeom>
+            <a:ln w="57150">
+              <a:solidFill>
+                <a:schemeClr val="accent6">
+                  <a:lumMod val="75000"/>
+                </a:schemeClr>
+              </a:solidFill>
+              <a:headEnd type="none" w="med" len="med"/>
+              <a:tailEnd type="triangle" w="med" len="med"/>
+            </a:ln>
+          </p:spPr>
+          <p:style>
+            <a:lnRef idx="1">
+              <a:schemeClr val="accent2"/>
+            </a:lnRef>
+            <a:fillRef idx="0">
+              <a:schemeClr val="accent2"/>
+            </a:fillRef>
+            <a:effectRef idx="0">
+              <a:schemeClr val="accent2"/>
+            </a:effectRef>
+            <a:fontRef idx="minor">
+              <a:schemeClr val="tx1"/>
+            </a:fontRef>
+          </p:style>
+        </p:cxnSp>
+        <p:pic>
+          <p:nvPicPr>
+            <p:cNvPr id="5" name="Picture 4"/>
+            <p:cNvPicPr>
+              <a:picLocks noChangeAspect="1"/>
+            </p:cNvPicPr>
+            <p:nvPr/>
+          </p:nvPicPr>
+          <p:blipFill>
+            <a:blip r:embed="rId6"/>
+            <a:stretch>
+              <a:fillRect/>
+            </a:stretch>
+          </p:blipFill>
+          <p:spPr>
+            <a:xfrm>
+              <a:off x="8357750" y="3043964"/>
+              <a:ext cx="797734" cy="797734"/>
+            </a:xfrm>
+            <a:prstGeom prst="rect">
+              <a:avLst/>
+            </a:prstGeom>
+          </p:spPr>
+        </p:pic>
+        <p:cxnSp>
+          <p:nvCxnSpPr>
+            <p:cNvPr id="67" name="Straight Connector 34"/>
+            <p:cNvCxnSpPr/>
+            <p:nvPr/>
+          </p:nvCxnSpPr>
+          <p:spPr>
+            <a:xfrm flipH="1">
+              <a:off x="7470437" y="3619535"/>
+              <a:ext cx="834305" cy="0"/>
+            </a:xfrm>
+            <a:prstGeom prst="line">
+              <a:avLst/>
+            </a:prstGeom>
+            <a:ln w="57150">
+              <a:solidFill>
+                <a:schemeClr val="accent6">
+                  <a:lumMod val="75000"/>
+                </a:schemeClr>
+              </a:solidFill>
+              <a:headEnd type="triangle" w="med" len="med"/>
+              <a:tailEnd type="none" w="med" len="med"/>
+            </a:ln>
+          </p:spPr>
+          <p:style>
+            <a:lnRef idx="1">
+              <a:schemeClr val="accent2"/>
+            </a:lnRef>
+            <a:fillRef idx="0">
+              <a:schemeClr val="accent2"/>
+            </a:fillRef>
+            <a:effectRef idx="0">
+              <a:schemeClr val="accent2"/>
+            </a:effectRef>
+            <a:fontRef idx="minor">
+              <a:schemeClr val="tx1"/>
+            </a:fontRef>
+          </p:style>
+        </p:cxnSp>
+        <p:cxnSp>
+          <p:nvCxnSpPr>
+            <p:cNvPr id="68" name="Straight Connector 34"/>
+            <p:cNvCxnSpPr/>
+            <p:nvPr/>
+          </p:nvCxnSpPr>
+          <p:spPr>
+            <a:xfrm flipH="1">
+              <a:off x="5670655" y="3235222"/>
+              <a:ext cx="834305" cy="0"/>
+            </a:xfrm>
+            <a:prstGeom prst="line">
+              <a:avLst/>
+            </a:prstGeom>
+            <a:ln w="57150">
+              <a:solidFill>
+                <a:schemeClr val="accent6">
+                  <a:lumMod val="75000"/>
+                </a:schemeClr>
+              </a:solidFill>
+              <a:headEnd type="none" w="med" len="med"/>
+              <a:tailEnd type="triangle" w="med" len="med"/>
+            </a:ln>
+          </p:spPr>
+          <p:style>
+            <a:lnRef idx="1">
+              <a:schemeClr val="accent2"/>
+            </a:lnRef>
+            <a:fillRef idx="0">
+              <a:schemeClr val="accent2"/>
+            </a:fillRef>
+            <a:effectRef idx="0">
+              <a:schemeClr val="accent2"/>
+            </a:effectRef>
+            <a:fontRef idx="minor">
+              <a:schemeClr val="tx1"/>
+            </a:fontRef>
+          </p:style>
+        </p:cxnSp>
+        <p:cxnSp>
+          <p:nvCxnSpPr>
+            <p:cNvPr id="69" name="Straight Connector 34"/>
+            <p:cNvCxnSpPr/>
+            <p:nvPr/>
+          </p:nvCxnSpPr>
+          <p:spPr>
+            <a:xfrm flipH="1">
+              <a:off x="5670655" y="3619535"/>
+              <a:ext cx="834305" cy="0"/>
+            </a:xfrm>
+            <a:prstGeom prst="line">
+              <a:avLst/>
+            </a:prstGeom>
+            <a:ln w="57150">
+              <a:solidFill>
+                <a:schemeClr val="accent6">
+                  <a:lumMod val="75000"/>
+                </a:schemeClr>
+              </a:solidFill>
+              <a:headEnd type="triangle" w="med" len="med"/>
+              <a:tailEnd type="none" w="med" len="med"/>
+            </a:ln>
+          </p:spPr>
+          <p:style>
+            <a:lnRef idx="1">
+              <a:schemeClr val="accent2"/>
+            </a:lnRef>
+            <a:fillRef idx="0">
+              <a:schemeClr val="accent2"/>
+            </a:fillRef>
+            <a:effectRef idx="0">
+              <a:schemeClr val="accent2"/>
+            </a:effectRef>
+            <a:fontRef idx="minor">
+              <a:schemeClr val="tx1"/>
+            </a:fontRef>
+          </p:style>
+        </p:cxnSp>
+        <p:pic>
+          <p:nvPicPr>
+            <p:cNvPr id="9" name="Picture 8"/>
+            <p:cNvPicPr>
+              <a:picLocks noChangeAspect="1"/>
+            </p:cNvPicPr>
+            <p:nvPr/>
+          </p:nvPicPr>
+          <p:blipFill>
+            <a:blip r:embed="rId7"/>
+            <a:stretch>
+              <a:fillRect/>
+            </a:stretch>
+          </p:blipFill>
+          <p:spPr>
+            <a:xfrm>
+              <a:off x="9940078" y="3003608"/>
+              <a:ext cx="861836" cy="861836"/>
+            </a:xfrm>
+            <a:prstGeom prst="rect">
+              <a:avLst/>
+            </a:prstGeom>
+          </p:spPr>
+        </p:pic>
+        <p:sp>
+          <p:nvSpPr>
+            <p:cNvPr id="71" name="TextBox 504"/>
+            <p:cNvSpPr txBox="1"/>
+            <p:nvPr/>
+          </p:nvSpPr>
+          <p:spPr>
+            <a:xfrm>
+              <a:off x="9976908" y="3956587"/>
+              <a:ext cx="825006" cy="155632"/>
+            </a:xfrm>
+            <a:prstGeom prst="rect">
+              <a:avLst/>
+            </a:prstGeom>
+            <a:noFill/>
+          </p:spPr>
+          <p:txBody>
+            <a:bodyPr wrap="square" lIns="0" tIns="0" rIns="0" bIns="0" rtlCol="0" anchor="t">
+              <a:noAutofit/>
+            </a:bodyPr>
+            <a:lstStyle/>
+            <a:p>
+              <a:pPr algn="ctr"/>
+              <a:r>
+                <a:rPr lang="en-US" sz="1000" b="1" dirty="0" smtClean="0"/>
+                <a:t>AWS SNS Subscription</a:t>
+              </a:r>
+              <a:endParaRPr lang="en-US" sz="1000" b="1" dirty="0"/>
+            </a:p>
+          </p:txBody>
+        </p:sp>
+        <p:cxnSp>
+          <p:nvCxnSpPr>
+            <p:cNvPr id="72" name="Straight Connector 34"/>
+            <p:cNvCxnSpPr/>
+            <p:nvPr/>
+          </p:nvCxnSpPr>
+          <p:spPr>
+            <a:xfrm flipH="1">
+              <a:off x="9066017" y="3376583"/>
+              <a:ext cx="834305" cy="0"/>
+            </a:xfrm>
+            <a:prstGeom prst="line">
+              <a:avLst/>
+            </a:prstGeom>
+            <a:ln w="57150">
+              <a:solidFill>
+                <a:schemeClr val="accent6">
+                  <a:lumMod val="75000"/>
+                </a:schemeClr>
+              </a:solidFill>
+              <a:prstDash val="sysDot"/>
+              <a:headEnd type="triangle" w="med" len="med"/>
+              <a:tailEnd type="none" w="med" len="med"/>
+            </a:ln>
+          </p:spPr>
+          <p:style>
+            <a:lnRef idx="1">
+              <a:schemeClr val="accent2"/>
+            </a:lnRef>
+            <a:fillRef idx="0">
+              <a:schemeClr val="accent2"/>
+            </a:fillRef>
+            <a:effectRef idx="0">
+              <a:schemeClr val="accent2"/>
+            </a:effectRef>
+            <a:fontRef idx="minor">
+              <a:schemeClr val="tx1"/>
+            </a:fontRef>
+          </p:style>
+        </p:cxnSp>
+        <p:sp>
+          <p:nvSpPr>
+            <p:cNvPr id="75" name="Ellipse 52"/>
+            <p:cNvSpPr/>
+            <p:nvPr/>
+          </p:nvSpPr>
+          <p:spPr>
+            <a:xfrm>
+              <a:off x="7814898" y="3076306"/>
+              <a:ext cx="280463" cy="282804"/>
+            </a:xfrm>
+            <a:prstGeom prst="ellipse">
+              <a:avLst/>
+            </a:prstGeom>
             <a:solidFill>
               <a:schemeClr val="accent6">
                 <a:lumMod val="75000"/>
               </a:schemeClr>
             </a:solidFill>
-            <a:headEnd type="none" w="med" len="med"/>
-            <a:tailEnd type="triangle" w="med" len="med"/>
-          </a:ln>
-        </p:spPr>
-        <p:style>
-          <a:lnRef idx="1">
-            <a:schemeClr val="accent2"/>
-          </a:lnRef>
-          <a:fillRef idx="0">
-            <a:schemeClr val="accent2"/>
-          </a:fillRef>
-          <a:effectRef idx="0">
-            <a:schemeClr val="accent2"/>
-          </a:effectRef>
-          <a:fontRef idx="minor">
-            <a:schemeClr val="tx1"/>
-          </a:fontRef>
-        </p:style>
-      </p:cxnSp>
-      <p:pic>
-        <p:nvPicPr>
-          <p:cNvPr id="5" name="Picture 4"/>
-          <p:cNvPicPr>
-            <a:picLocks noChangeAspect="1"/>
-          </p:cNvPicPr>
-          <p:nvPr/>
-        </p:nvPicPr>
-        <p:blipFill>
-          <a:blip r:embed="rId6"/>
-          <a:stretch>
-            <a:fillRect/>
-          </a:stretch>
-        </p:blipFill>
-        <p:spPr>
-          <a:xfrm>
-            <a:off x="8357750" y="3043964"/>
-            <a:ext cx="797734" cy="797734"/>
-          </a:xfrm>
-          <a:prstGeom prst="rect">
-            <a:avLst/>
-          </a:prstGeom>
-        </p:spPr>
-      </p:pic>
-      <p:cxnSp>
-        <p:nvCxnSpPr>
-          <p:cNvPr id="67" name="Straight Connector 34"/>
-          <p:cNvCxnSpPr/>
-          <p:nvPr/>
-        </p:nvCxnSpPr>
-        <p:spPr>
-          <a:xfrm flipH="1">
-            <a:off x="7470437" y="3619535"/>
-            <a:ext cx="834305" cy="0"/>
-          </a:xfrm>
-          <a:prstGeom prst="line">
-            <a:avLst/>
-          </a:prstGeom>
-          <a:ln w="57150">
+            <a:ln>
+              <a:solidFill>
+                <a:schemeClr val="accent6">
+                  <a:lumMod val="50000"/>
+                </a:schemeClr>
+              </a:solidFill>
+            </a:ln>
+          </p:spPr>
+          <p:style>
+            <a:lnRef idx="2">
+              <a:schemeClr val="accent2">
+                <a:shade val="50000"/>
+              </a:schemeClr>
+            </a:lnRef>
+            <a:fillRef idx="1">
+              <a:schemeClr val="accent2"/>
+            </a:fillRef>
+            <a:effectRef idx="0">
+              <a:schemeClr val="accent2"/>
+            </a:effectRef>
+            <a:fontRef idx="minor">
+              <a:schemeClr val="lt1"/>
+            </a:fontRef>
+          </p:style>
+          <p:txBody>
+            <a:bodyPr rtlCol="0" anchor="ctr"/>
+            <a:lstStyle/>
+            <a:p>
+              <a:pPr algn="ctr"/>
+              <a:r>
+                <a:rPr lang="en-US" dirty="0" smtClean="0"/>
+                <a:t>1</a:t>
+              </a:r>
+              <a:endParaRPr lang="de-DE" dirty="0"/>
+            </a:p>
+          </p:txBody>
+        </p:sp>
+        <p:sp>
+          <p:nvSpPr>
+            <p:cNvPr id="79" name="Ellipse 52"/>
+            <p:cNvSpPr/>
+            <p:nvPr/>
+          </p:nvSpPr>
+          <p:spPr>
+            <a:xfrm>
+              <a:off x="5991472" y="3059263"/>
+              <a:ext cx="280463" cy="282804"/>
+            </a:xfrm>
+            <a:prstGeom prst="ellipse">
+              <a:avLst/>
+            </a:prstGeom>
             <a:solidFill>
               <a:schemeClr val="accent6">
                 <a:lumMod val="75000"/>
               </a:schemeClr>
             </a:solidFill>
-            <a:headEnd type="triangle" w="med" len="med"/>
-            <a:tailEnd type="none" w="med" len="med"/>
-          </a:ln>
-        </p:spPr>
-        <p:style>
-          <a:lnRef idx="1">
-            <a:schemeClr val="accent2"/>
-          </a:lnRef>
-          <a:fillRef idx="0">
-            <a:schemeClr val="accent2"/>
-          </a:fillRef>
-          <a:effectRef idx="0">
-            <a:schemeClr val="accent2"/>
-          </a:effectRef>
-          <a:fontRef idx="minor">
-            <a:schemeClr val="tx1"/>
-          </a:fontRef>
-        </p:style>
-      </p:cxnSp>
-      <p:cxnSp>
-        <p:nvCxnSpPr>
-          <p:cNvPr id="68" name="Straight Connector 34"/>
-          <p:cNvCxnSpPr/>
-          <p:nvPr/>
-        </p:nvCxnSpPr>
-        <p:spPr>
-          <a:xfrm flipH="1">
-            <a:off x="5670655" y="3235222"/>
-            <a:ext cx="834305" cy="0"/>
-          </a:xfrm>
-          <a:prstGeom prst="line">
-            <a:avLst/>
-          </a:prstGeom>
-          <a:ln w="57150">
+            <a:ln>
+              <a:solidFill>
+                <a:schemeClr val="accent6">
+                  <a:lumMod val="50000"/>
+                </a:schemeClr>
+              </a:solidFill>
+            </a:ln>
+          </p:spPr>
+          <p:style>
+            <a:lnRef idx="2">
+              <a:schemeClr val="accent2">
+                <a:shade val="50000"/>
+              </a:schemeClr>
+            </a:lnRef>
+            <a:fillRef idx="1">
+              <a:schemeClr val="accent2"/>
+            </a:fillRef>
+            <a:effectRef idx="0">
+              <a:schemeClr val="accent2"/>
+            </a:effectRef>
+            <a:fontRef idx="minor">
+              <a:schemeClr val="lt1"/>
+            </a:fontRef>
+          </p:style>
+          <p:txBody>
+            <a:bodyPr rtlCol="0" anchor="ctr"/>
+            <a:lstStyle/>
+            <a:p>
+              <a:pPr algn="ctr"/>
+              <a:r>
+                <a:rPr lang="en-US" dirty="0" smtClean="0"/>
+                <a:t>3</a:t>
+              </a:r>
+              <a:endParaRPr lang="de-DE" dirty="0"/>
+            </a:p>
+          </p:txBody>
+        </p:sp>
+        <p:sp>
+          <p:nvSpPr>
+            <p:cNvPr id="80" name="Ellipse 52"/>
+            <p:cNvSpPr/>
+            <p:nvPr/>
+          </p:nvSpPr>
+          <p:spPr>
+            <a:xfrm>
+              <a:off x="5885139" y="3469186"/>
+              <a:ext cx="280463" cy="282804"/>
+            </a:xfrm>
+            <a:prstGeom prst="ellipse">
+              <a:avLst/>
+            </a:prstGeom>
             <a:solidFill>
               <a:schemeClr val="accent6">
                 <a:lumMod val="75000"/>
               </a:schemeClr>
             </a:solidFill>
-            <a:headEnd type="none" w="med" len="med"/>
-            <a:tailEnd type="triangle" w="med" len="med"/>
-          </a:ln>
-        </p:spPr>
-        <p:style>
-          <a:lnRef idx="1">
-            <a:schemeClr val="accent2"/>
-          </a:lnRef>
-          <a:fillRef idx="0">
-            <a:schemeClr val="accent2"/>
-          </a:fillRef>
-          <a:effectRef idx="0">
-            <a:schemeClr val="accent2"/>
-          </a:effectRef>
-          <a:fontRef idx="minor">
-            <a:schemeClr val="tx1"/>
-          </a:fontRef>
-        </p:style>
-      </p:cxnSp>
-      <p:cxnSp>
-        <p:nvCxnSpPr>
-          <p:cNvPr id="69" name="Straight Connector 34"/>
-          <p:cNvCxnSpPr/>
-          <p:nvPr/>
-        </p:nvCxnSpPr>
-        <p:spPr>
-          <a:xfrm flipH="1">
-            <a:off x="5670655" y="3619535"/>
-            <a:ext cx="834305" cy="0"/>
-          </a:xfrm>
-          <a:prstGeom prst="line">
-            <a:avLst/>
-          </a:prstGeom>
-          <a:ln w="57150">
+            <a:ln>
+              <a:solidFill>
+                <a:schemeClr val="accent6">
+                  <a:lumMod val="50000"/>
+                </a:schemeClr>
+              </a:solidFill>
+            </a:ln>
+          </p:spPr>
+          <p:style>
+            <a:lnRef idx="2">
+              <a:schemeClr val="accent2">
+                <a:shade val="50000"/>
+              </a:schemeClr>
+            </a:lnRef>
+            <a:fillRef idx="1">
+              <a:schemeClr val="accent2"/>
+            </a:fillRef>
+            <a:effectRef idx="0">
+              <a:schemeClr val="accent2"/>
+            </a:effectRef>
+            <a:fontRef idx="minor">
+              <a:schemeClr val="lt1"/>
+            </a:fontRef>
+          </p:style>
+          <p:txBody>
+            <a:bodyPr rtlCol="0" anchor="ctr"/>
+            <a:lstStyle/>
+            <a:p>
+              <a:pPr algn="ctr"/>
+              <a:r>
+                <a:rPr lang="en-US" dirty="0" smtClean="0"/>
+                <a:t>4</a:t>
+              </a:r>
+              <a:endParaRPr lang="de-DE" dirty="0"/>
+            </a:p>
+          </p:txBody>
+        </p:sp>
+        <p:sp>
+          <p:nvSpPr>
+            <p:cNvPr id="81" name="Ellipse 52"/>
+            <p:cNvSpPr/>
+            <p:nvPr/>
+          </p:nvSpPr>
+          <p:spPr>
+            <a:xfrm>
+              <a:off x="7667272" y="3478133"/>
+              <a:ext cx="280463" cy="282804"/>
+            </a:xfrm>
+            <a:prstGeom prst="ellipse">
+              <a:avLst/>
+            </a:prstGeom>
             <a:solidFill>
               <a:schemeClr val="accent6">
                 <a:lumMod val="75000"/>
               </a:schemeClr>
             </a:solidFill>
-            <a:headEnd type="triangle" w="med" len="med"/>
-            <a:tailEnd type="none" w="med" len="med"/>
-          </a:ln>
-        </p:spPr>
-        <p:style>
-          <a:lnRef idx="1">
-            <a:schemeClr val="accent2"/>
-          </a:lnRef>
-          <a:fillRef idx="0">
-            <a:schemeClr val="accent2"/>
-          </a:fillRef>
-          <a:effectRef idx="0">
-            <a:schemeClr val="accent2"/>
-          </a:effectRef>
-          <a:fontRef idx="minor">
-            <a:schemeClr val="tx1"/>
-          </a:fontRef>
-        </p:style>
-      </p:cxnSp>
-      <p:pic>
-        <p:nvPicPr>
-          <p:cNvPr id="9" name="Picture 8"/>
-          <p:cNvPicPr>
-            <a:picLocks noChangeAspect="1"/>
-          </p:cNvPicPr>
-          <p:nvPr/>
-        </p:nvPicPr>
-        <p:blipFill>
-          <a:blip r:embed="rId7"/>
-          <a:stretch>
-            <a:fillRect/>
-          </a:stretch>
-        </p:blipFill>
-        <p:spPr>
-          <a:xfrm>
-            <a:off x="9940078" y="3003608"/>
-            <a:ext cx="861836" cy="861836"/>
-          </a:xfrm>
-          <a:prstGeom prst="rect">
-            <a:avLst/>
-          </a:prstGeom>
-        </p:spPr>
-      </p:pic>
-      <p:sp>
-        <p:nvSpPr>
-          <p:cNvPr id="71" name="TextBox 504"/>
-          <p:cNvSpPr txBox="1"/>
-          <p:nvPr/>
-        </p:nvSpPr>
-        <p:spPr>
-          <a:xfrm>
-            <a:off x="9976908" y="3923929"/>
-            <a:ext cx="825006" cy="155632"/>
-          </a:xfrm>
-          <a:prstGeom prst="rect">
-            <a:avLst/>
-          </a:prstGeom>
-          <a:noFill/>
-        </p:spPr>
-        <p:txBody>
-          <a:bodyPr wrap="square" lIns="0" tIns="0" rIns="0" bIns="0" rtlCol="0" anchor="t">
-            <a:noAutofit/>
-          </a:bodyPr>
-          <a:lstStyle/>
-          <a:p>
-            <a:pPr algn="ctr"/>
-            <a:r>
-              <a:rPr lang="en-US" sz="1000" b="1" dirty="0" smtClean="0"/>
-              <a:t>AWS SNS Subscription</a:t>
-            </a:r>
-            <a:endParaRPr lang="en-US" sz="1000" b="1" dirty="0"/>
-          </a:p>
-        </p:txBody>
-      </p:sp>
-      <p:cxnSp>
-        <p:nvCxnSpPr>
-          <p:cNvPr id="72" name="Straight Connector 34"/>
-          <p:cNvCxnSpPr/>
-          <p:nvPr/>
-        </p:nvCxnSpPr>
-        <p:spPr>
-          <a:xfrm flipH="1">
-            <a:off x="9066017" y="3376583"/>
-            <a:ext cx="834305" cy="0"/>
-          </a:xfrm>
-          <a:prstGeom prst="line">
-            <a:avLst/>
-          </a:prstGeom>
-          <a:ln w="57150">
+            <a:ln>
+              <a:solidFill>
+                <a:schemeClr val="accent6">
+                  <a:lumMod val="50000"/>
+                </a:schemeClr>
+              </a:solidFill>
+            </a:ln>
+          </p:spPr>
+          <p:style>
+            <a:lnRef idx="2">
+              <a:schemeClr val="accent2">
+                <a:shade val="50000"/>
+              </a:schemeClr>
+            </a:lnRef>
+            <a:fillRef idx="1">
+              <a:schemeClr val="accent2"/>
+            </a:fillRef>
+            <a:effectRef idx="0">
+              <a:schemeClr val="accent2"/>
+            </a:effectRef>
+            <a:fontRef idx="minor">
+              <a:schemeClr val="lt1"/>
+            </a:fontRef>
+          </p:style>
+          <p:txBody>
+            <a:bodyPr rtlCol="0" anchor="ctr"/>
+            <a:lstStyle/>
+            <a:p>
+              <a:pPr algn="ctr"/>
+              <a:r>
+                <a:rPr lang="en-US" dirty="0" smtClean="0"/>
+                <a:t>5</a:t>
+              </a:r>
+              <a:endParaRPr lang="de-DE" dirty="0"/>
+            </a:p>
+          </p:txBody>
+        </p:sp>
+        <p:sp>
+          <p:nvSpPr>
+            <p:cNvPr id="82" name="Ellipse 52"/>
+            <p:cNvSpPr/>
+            <p:nvPr/>
+          </p:nvSpPr>
+          <p:spPr>
+            <a:xfrm>
+              <a:off x="9267317" y="3221929"/>
+              <a:ext cx="280463" cy="282804"/>
+            </a:xfrm>
+            <a:prstGeom prst="ellipse">
+              <a:avLst/>
+            </a:prstGeom>
             <a:solidFill>
               <a:schemeClr val="accent6">
                 <a:lumMod val="75000"/>
               </a:schemeClr>
             </a:solidFill>
-            <a:prstDash val="sysDot"/>
-            <a:headEnd type="triangle" w="med" len="med"/>
-            <a:tailEnd type="none" w="med" len="med"/>
-          </a:ln>
-        </p:spPr>
-        <p:style>
-          <a:lnRef idx="1">
-            <a:schemeClr val="accent2"/>
-          </a:lnRef>
-          <a:fillRef idx="0">
-            <a:schemeClr val="accent2"/>
-          </a:fillRef>
-          <a:effectRef idx="0">
-            <a:schemeClr val="accent2"/>
-          </a:effectRef>
-          <a:fontRef idx="minor">
-            <a:schemeClr val="tx1"/>
-          </a:fontRef>
-        </p:style>
-      </p:cxnSp>
-      <p:sp>
-        <p:nvSpPr>
-          <p:cNvPr id="75" name="Ellipse 52"/>
-          <p:cNvSpPr/>
-          <p:nvPr/>
-        </p:nvSpPr>
-        <p:spPr>
-          <a:xfrm>
-            <a:off x="7814898" y="3076306"/>
-            <a:ext cx="280463" cy="282804"/>
-          </a:xfrm>
-          <a:prstGeom prst="ellipse">
-            <a:avLst/>
-          </a:prstGeom>
-          <a:solidFill>
-            <a:schemeClr val="accent6">
-              <a:lumMod val="75000"/>
-            </a:schemeClr>
-          </a:solidFill>
-          <a:ln>
-            <a:solidFill>
-              <a:schemeClr val="accent6">
-                <a:lumMod val="50000"/>
+            <a:ln>
+              <a:solidFill>
+                <a:schemeClr val="accent6">
+                  <a:lumMod val="50000"/>
+                </a:schemeClr>
+              </a:solidFill>
+            </a:ln>
+          </p:spPr>
+          <p:style>
+            <a:lnRef idx="2">
+              <a:schemeClr val="accent2">
+                <a:shade val="50000"/>
               </a:schemeClr>
-            </a:solidFill>
-          </a:ln>
-        </p:spPr>
-        <p:style>
-          <a:lnRef idx="2">
-            <a:schemeClr val="accent2">
-              <a:shade val="50000"/>
-            </a:schemeClr>
-          </a:lnRef>
-          <a:fillRef idx="1">
-            <a:schemeClr val="accent2"/>
-          </a:fillRef>
-          <a:effectRef idx="0">
-            <a:schemeClr val="accent2"/>
-          </a:effectRef>
-          <a:fontRef idx="minor">
-            <a:schemeClr val="lt1"/>
-          </a:fontRef>
-        </p:style>
-        <p:txBody>
-          <a:bodyPr rtlCol="0" anchor="ctr"/>
-          <a:lstStyle/>
-          <a:p>
-            <a:pPr algn="ctr"/>
-            <a:r>
-              <a:rPr lang="en-US" dirty="0" smtClean="0"/>
-              <a:t>1</a:t>
-            </a:r>
-            <a:endParaRPr lang="de-DE" dirty="0"/>
-          </a:p>
-        </p:txBody>
-      </p:sp>
-      <p:sp>
-        <p:nvSpPr>
-          <p:cNvPr id="79" name="Ellipse 52"/>
-          <p:cNvSpPr/>
-          <p:nvPr/>
-        </p:nvSpPr>
-        <p:spPr>
-          <a:xfrm>
-            <a:off x="5991472" y="3059263"/>
-            <a:ext cx="280463" cy="282804"/>
-          </a:xfrm>
-          <a:prstGeom prst="ellipse">
-            <a:avLst/>
-          </a:prstGeom>
-          <a:solidFill>
-            <a:schemeClr val="accent6">
-              <a:lumMod val="75000"/>
-            </a:schemeClr>
-          </a:solidFill>
-          <a:ln>
-            <a:solidFill>
-              <a:schemeClr val="accent6">
-                <a:lumMod val="50000"/>
-              </a:schemeClr>
-            </a:solidFill>
-          </a:ln>
-        </p:spPr>
-        <p:style>
-          <a:lnRef idx="2">
-            <a:schemeClr val="accent2">
-              <a:shade val="50000"/>
-            </a:schemeClr>
-          </a:lnRef>
-          <a:fillRef idx="1">
-            <a:schemeClr val="accent2"/>
-          </a:fillRef>
-          <a:effectRef idx="0">
-            <a:schemeClr val="accent2"/>
-          </a:effectRef>
-          <a:fontRef idx="minor">
-            <a:schemeClr val="lt1"/>
-          </a:fontRef>
-        </p:style>
-        <p:txBody>
-          <a:bodyPr rtlCol="0" anchor="ctr"/>
-          <a:lstStyle/>
-          <a:p>
-            <a:pPr algn="ctr"/>
-            <a:r>
-              <a:rPr lang="en-US" dirty="0" smtClean="0"/>
-              <a:t>3</a:t>
-            </a:r>
-            <a:endParaRPr lang="de-DE" dirty="0"/>
-          </a:p>
-        </p:txBody>
-      </p:sp>
-      <p:sp>
-        <p:nvSpPr>
-          <p:cNvPr id="80" name="Ellipse 52"/>
-          <p:cNvSpPr/>
-          <p:nvPr/>
-        </p:nvSpPr>
-        <p:spPr>
-          <a:xfrm>
-            <a:off x="5885139" y="3469186"/>
-            <a:ext cx="280463" cy="282804"/>
-          </a:xfrm>
-          <a:prstGeom prst="ellipse">
-            <a:avLst/>
-          </a:prstGeom>
-          <a:solidFill>
-            <a:schemeClr val="accent6">
-              <a:lumMod val="75000"/>
-            </a:schemeClr>
-          </a:solidFill>
-          <a:ln>
-            <a:solidFill>
-              <a:schemeClr val="accent6">
-                <a:lumMod val="50000"/>
-              </a:schemeClr>
-            </a:solidFill>
-          </a:ln>
-        </p:spPr>
-        <p:style>
-          <a:lnRef idx="2">
-            <a:schemeClr val="accent2">
-              <a:shade val="50000"/>
-            </a:schemeClr>
-          </a:lnRef>
-          <a:fillRef idx="1">
-            <a:schemeClr val="accent2"/>
-          </a:fillRef>
-          <a:effectRef idx="0">
-            <a:schemeClr val="accent2"/>
-          </a:effectRef>
-          <a:fontRef idx="minor">
-            <a:schemeClr val="lt1"/>
-          </a:fontRef>
-        </p:style>
-        <p:txBody>
-          <a:bodyPr rtlCol="0" anchor="ctr"/>
-          <a:lstStyle/>
-          <a:p>
-            <a:pPr algn="ctr"/>
-            <a:r>
-              <a:rPr lang="en-US" dirty="0" smtClean="0"/>
-              <a:t>4</a:t>
-            </a:r>
-            <a:endParaRPr lang="de-DE" dirty="0"/>
-          </a:p>
-        </p:txBody>
-      </p:sp>
-      <p:sp>
-        <p:nvSpPr>
-          <p:cNvPr id="81" name="Ellipse 52"/>
-          <p:cNvSpPr/>
-          <p:nvPr/>
-        </p:nvSpPr>
-        <p:spPr>
-          <a:xfrm>
-            <a:off x="7667272" y="3478133"/>
-            <a:ext cx="280463" cy="282804"/>
-          </a:xfrm>
-          <a:prstGeom prst="ellipse">
-            <a:avLst/>
-          </a:prstGeom>
-          <a:solidFill>
-            <a:schemeClr val="accent6">
-              <a:lumMod val="75000"/>
-            </a:schemeClr>
-          </a:solidFill>
-          <a:ln>
-            <a:solidFill>
-              <a:schemeClr val="accent6">
-                <a:lumMod val="50000"/>
-              </a:schemeClr>
-            </a:solidFill>
-          </a:ln>
-        </p:spPr>
-        <p:style>
-          <a:lnRef idx="2">
-            <a:schemeClr val="accent2">
-              <a:shade val="50000"/>
-            </a:schemeClr>
-          </a:lnRef>
-          <a:fillRef idx="1">
-            <a:schemeClr val="accent2"/>
-          </a:fillRef>
-          <a:effectRef idx="0">
-            <a:schemeClr val="accent2"/>
-          </a:effectRef>
-          <a:fontRef idx="minor">
-            <a:schemeClr val="lt1"/>
-          </a:fontRef>
-        </p:style>
-        <p:txBody>
-          <a:bodyPr rtlCol="0" anchor="ctr"/>
-          <a:lstStyle/>
-          <a:p>
-            <a:pPr algn="ctr"/>
-            <a:r>
-              <a:rPr lang="en-US" dirty="0" smtClean="0"/>
-              <a:t>5</a:t>
-            </a:r>
-            <a:endParaRPr lang="de-DE" dirty="0"/>
-          </a:p>
-        </p:txBody>
-      </p:sp>
-      <p:sp>
-        <p:nvSpPr>
-          <p:cNvPr id="82" name="Ellipse 52"/>
-          <p:cNvSpPr/>
-          <p:nvPr/>
-        </p:nvSpPr>
-        <p:spPr>
-          <a:xfrm>
-            <a:off x="9267317" y="3221929"/>
-            <a:ext cx="280463" cy="282804"/>
-          </a:xfrm>
-          <a:prstGeom prst="ellipse">
-            <a:avLst/>
-          </a:prstGeom>
-          <a:solidFill>
-            <a:schemeClr val="accent6">
-              <a:lumMod val="75000"/>
-            </a:schemeClr>
-          </a:solidFill>
-          <a:ln>
-            <a:solidFill>
-              <a:schemeClr val="accent6">
-                <a:lumMod val="50000"/>
-              </a:schemeClr>
-            </a:solidFill>
-          </a:ln>
-        </p:spPr>
-        <p:style>
-          <a:lnRef idx="2">
-            <a:schemeClr val="accent2">
-              <a:shade val="50000"/>
-            </a:schemeClr>
-          </a:lnRef>
-          <a:fillRef idx="1">
-            <a:schemeClr val="accent2"/>
-          </a:fillRef>
-          <a:effectRef idx="0">
-            <a:schemeClr val="accent2"/>
-          </a:effectRef>
-          <a:fontRef idx="minor">
-            <a:schemeClr val="lt1"/>
-          </a:fontRef>
-        </p:style>
-        <p:txBody>
-          <a:bodyPr rtlCol="0" anchor="ctr"/>
-          <a:lstStyle/>
-          <a:p>
-            <a:pPr algn="ctr"/>
-            <a:r>
-              <a:rPr lang="en-US" dirty="0" smtClean="0"/>
-              <a:t>6</a:t>
-            </a:r>
-            <a:endParaRPr lang="de-DE" dirty="0"/>
-          </a:p>
-        </p:txBody>
-      </p:sp>
-      <p:pic>
-        <p:nvPicPr>
-          <p:cNvPr id="83" name="Picture 82"/>
-          <p:cNvPicPr>
-            <a:picLocks noChangeAspect="1"/>
-          </p:cNvPicPr>
-          <p:nvPr/>
-        </p:nvPicPr>
-        <p:blipFill>
-          <a:blip r:embed="rId8">
-            <a:extLst>
-              <a:ext uri="{28A0092B-C50C-407E-A947-70E740481C1C}">
-                <a14:useLocalDpi xmlns:a14="http://schemas.microsoft.com/office/drawing/2010/main" val="0"/>
-              </a:ext>
-            </a:extLst>
-          </a:blip>
-          <a:stretch>
-            <a:fillRect/>
-          </a:stretch>
-        </p:blipFill>
-        <p:spPr>
-          <a:xfrm>
-            <a:off x="6637480" y="4912584"/>
-            <a:ext cx="688611" cy="826334"/>
-          </a:xfrm>
-          <a:prstGeom prst="rect">
-            <a:avLst/>
-          </a:prstGeom>
-        </p:spPr>
-      </p:pic>
-      <p:sp>
-        <p:nvSpPr>
-          <p:cNvPr id="85" name="TextBox 504"/>
-          <p:cNvSpPr txBox="1"/>
-          <p:nvPr/>
-        </p:nvSpPr>
-        <p:spPr>
-          <a:xfrm>
-            <a:off x="6577105" y="5824342"/>
-            <a:ext cx="825006" cy="155632"/>
-          </a:xfrm>
-          <a:prstGeom prst="rect">
-            <a:avLst/>
-          </a:prstGeom>
-          <a:noFill/>
-        </p:spPr>
-        <p:txBody>
-          <a:bodyPr wrap="square" lIns="0" tIns="0" rIns="0" bIns="0" rtlCol="0" anchor="t">
-            <a:noAutofit/>
-          </a:bodyPr>
-          <a:lstStyle/>
-          <a:p>
-            <a:pPr algn="ctr"/>
-            <a:r>
-              <a:rPr lang="en-US" sz="1000" b="1" dirty="0"/>
-              <a:t>AWS</a:t>
-            </a:r>
-          </a:p>
-          <a:p>
-            <a:pPr algn="ctr"/>
-            <a:r>
-              <a:rPr lang="en-US" sz="1000" b="1" dirty="0"/>
-              <a:t>S3</a:t>
-            </a:r>
-          </a:p>
-        </p:txBody>
-      </p:sp>
-      <p:cxnSp>
-        <p:nvCxnSpPr>
-          <p:cNvPr id="86" name="Straight Connector 34"/>
-          <p:cNvCxnSpPr/>
-          <p:nvPr/>
-        </p:nvCxnSpPr>
-        <p:spPr>
-          <a:xfrm flipH="1">
-            <a:off x="6979926" y="4120606"/>
-            <a:ext cx="13106" cy="749266"/>
-          </a:xfrm>
-          <a:prstGeom prst="line">
-            <a:avLst/>
-          </a:prstGeom>
-          <a:ln w="57150">
+            </a:lnRef>
+            <a:fillRef idx="1">
+              <a:schemeClr val="accent2"/>
+            </a:fillRef>
+            <a:effectRef idx="0">
+              <a:schemeClr val="accent2"/>
+            </a:effectRef>
+            <a:fontRef idx="minor">
+              <a:schemeClr val="lt1"/>
+            </a:fontRef>
+          </p:style>
+          <p:txBody>
+            <a:bodyPr rtlCol="0" anchor="ctr"/>
+            <a:lstStyle/>
+            <a:p>
+              <a:pPr algn="ctr"/>
+              <a:r>
+                <a:rPr lang="en-US" dirty="0" smtClean="0"/>
+                <a:t>6</a:t>
+              </a:r>
+              <a:endParaRPr lang="de-DE" dirty="0"/>
+            </a:p>
+          </p:txBody>
+        </p:sp>
+        <p:pic>
+          <p:nvPicPr>
+            <p:cNvPr id="83" name="Picture 82"/>
+            <p:cNvPicPr>
+              <a:picLocks noChangeAspect="1"/>
+            </p:cNvPicPr>
+            <p:nvPr/>
+          </p:nvPicPr>
+          <p:blipFill>
+            <a:blip r:embed="rId8">
+              <a:extLst>
+                <a:ext uri="{28A0092B-C50C-407E-A947-70E740481C1C}">
+                  <a14:useLocalDpi xmlns:a14="http://schemas.microsoft.com/office/drawing/2010/main" val="0"/>
+                </a:ext>
+              </a:extLst>
+            </a:blip>
+            <a:stretch>
+              <a:fillRect/>
+            </a:stretch>
+          </p:blipFill>
+          <p:spPr>
+            <a:xfrm>
+              <a:off x="6637480" y="4912584"/>
+              <a:ext cx="688611" cy="826334"/>
+            </a:xfrm>
+            <a:prstGeom prst="rect">
+              <a:avLst/>
+            </a:prstGeom>
+          </p:spPr>
+        </p:pic>
+        <p:sp>
+          <p:nvSpPr>
+            <p:cNvPr id="85" name="TextBox 504"/>
+            <p:cNvSpPr txBox="1"/>
+            <p:nvPr/>
+          </p:nvSpPr>
+          <p:spPr>
+            <a:xfrm>
+              <a:off x="6577105" y="5824342"/>
+              <a:ext cx="825006" cy="418078"/>
+            </a:xfrm>
+            <a:prstGeom prst="rect">
+              <a:avLst/>
+            </a:prstGeom>
+            <a:noFill/>
+          </p:spPr>
+          <p:txBody>
+            <a:bodyPr wrap="square" lIns="0" tIns="0" rIns="0" bIns="0" rtlCol="0" anchor="t">
+              <a:noAutofit/>
+            </a:bodyPr>
+            <a:lstStyle/>
+            <a:p>
+              <a:pPr algn="ctr"/>
+              <a:r>
+                <a:rPr lang="en-US" sz="1000" b="1" dirty="0" smtClean="0"/>
+                <a:t>Amazon</a:t>
+              </a:r>
+              <a:endParaRPr lang="en-US" sz="1000" b="1" dirty="0"/>
+            </a:p>
+            <a:p>
+              <a:pPr algn="ctr"/>
+              <a:r>
+                <a:rPr lang="en-US" sz="1000" b="1" dirty="0"/>
+                <a:t>S3</a:t>
+              </a:r>
+            </a:p>
+          </p:txBody>
+        </p:sp>
+        <p:cxnSp>
+          <p:nvCxnSpPr>
+            <p:cNvPr id="86" name="Straight Connector 34"/>
+            <p:cNvCxnSpPr/>
+            <p:nvPr/>
+          </p:nvCxnSpPr>
+          <p:spPr>
+            <a:xfrm flipH="1">
+              <a:off x="6979926" y="4120606"/>
+              <a:ext cx="13106" cy="749266"/>
+            </a:xfrm>
+            <a:prstGeom prst="line">
+              <a:avLst/>
+            </a:prstGeom>
+            <a:ln w="57150">
+              <a:solidFill>
+                <a:schemeClr val="accent6">
+                  <a:lumMod val="75000"/>
+                </a:schemeClr>
+              </a:solidFill>
+              <a:headEnd type="none" w="med" len="med"/>
+              <a:tailEnd type="triangle" w="med" len="med"/>
+            </a:ln>
+          </p:spPr>
+          <p:style>
+            <a:lnRef idx="1">
+              <a:schemeClr val="accent2"/>
+            </a:lnRef>
+            <a:fillRef idx="0">
+              <a:schemeClr val="accent2"/>
+            </a:fillRef>
+            <a:effectRef idx="0">
+              <a:schemeClr val="accent2"/>
+            </a:effectRef>
+            <a:fontRef idx="minor">
+              <a:schemeClr val="tx1"/>
+            </a:fontRef>
+          </p:style>
+        </p:cxnSp>
+        <p:sp>
+          <p:nvSpPr>
+            <p:cNvPr id="89" name="Ellipse 52"/>
+            <p:cNvSpPr/>
+            <p:nvPr/>
+          </p:nvSpPr>
+          <p:spPr>
+            <a:xfrm>
+              <a:off x="6852947" y="4276909"/>
+              <a:ext cx="280463" cy="282804"/>
+            </a:xfrm>
+            <a:prstGeom prst="ellipse">
+              <a:avLst/>
+            </a:prstGeom>
             <a:solidFill>
               <a:schemeClr val="accent6">
                 <a:lumMod val="75000"/>
               </a:schemeClr>
             </a:solidFill>
-            <a:headEnd type="none" w="med" len="med"/>
-            <a:tailEnd type="triangle" w="med" len="med"/>
-          </a:ln>
-        </p:spPr>
-        <p:style>
-          <a:lnRef idx="1">
-            <a:schemeClr val="accent2"/>
-          </a:lnRef>
-          <a:fillRef idx="0">
-            <a:schemeClr val="accent2"/>
-          </a:fillRef>
-          <a:effectRef idx="0">
-            <a:schemeClr val="accent2"/>
-          </a:effectRef>
-          <a:fontRef idx="minor">
-            <a:schemeClr val="tx1"/>
-          </a:fontRef>
-        </p:style>
-      </p:cxnSp>
-      <p:sp>
-        <p:nvSpPr>
-          <p:cNvPr id="89" name="Ellipse 52"/>
-          <p:cNvSpPr/>
-          <p:nvPr/>
-        </p:nvSpPr>
-        <p:spPr>
-          <a:xfrm>
-            <a:off x="6852947" y="4276909"/>
-            <a:ext cx="280463" cy="282804"/>
-          </a:xfrm>
-          <a:prstGeom prst="ellipse">
-            <a:avLst/>
-          </a:prstGeom>
-          <a:solidFill>
-            <a:schemeClr val="accent6">
-              <a:lumMod val="75000"/>
-            </a:schemeClr>
-          </a:solidFill>
-          <a:ln>
-            <a:solidFill>
-              <a:schemeClr val="accent6">
-                <a:lumMod val="50000"/>
+            <a:ln>
+              <a:solidFill>
+                <a:schemeClr val="accent6">
+                  <a:lumMod val="50000"/>
+                </a:schemeClr>
+              </a:solidFill>
+            </a:ln>
+          </p:spPr>
+          <p:style>
+            <a:lnRef idx="2">
+              <a:schemeClr val="accent2">
+                <a:shade val="50000"/>
               </a:schemeClr>
-            </a:solidFill>
-          </a:ln>
-        </p:spPr>
-        <p:style>
-          <a:lnRef idx="2">
-            <a:schemeClr val="accent2">
-              <a:shade val="50000"/>
-            </a:schemeClr>
-          </a:lnRef>
-          <a:fillRef idx="1">
-            <a:schemeClr val="accent2"/>
-          </a:fillRef>
-          <a:effectRef idx="0">
-            <a:schemeClr val="accent2"/>
-          </a:effectRef>
-          <a:fontRef idx="minor">
-            <a:schemeClr val="lt1"/>
-          </a:fontRef>
-        </p:style>
-        <p:txBody>
-          <a:bodyPr rtlCol="0" anchor="ctr"/>
-          <a:lstStyle/>
-          <a:p>
-            <a:pPr algn="ctr"/>
-            <a:r>
-              <a:rPr lang="en-US" dirty="0" smtClean="0"/>
-              <a:t>2</a:t>
-            </a:r>
-            <a:endParaRPr lang="de-DE" dirty="0"/>
-          </a:p>
-        </p:txBody>
-      </p:sp>
-      <p:pic>
-        <p:nvPicPr>
-          <p:cNvPr id="90" name="Picture 8"/>
-          <p:cNvPicPr>
-            <a:picLocks noChangeAspect="1"/>
-          </p:cNvPicPr>
-          <p:nvPr/>
-        </p:nvPicPr>
-        <p:blipFill>
-          <a:blip r:embed="rId9">
-            <a:extLst>
-              <a:ext uri="{28A0092B-C50C-407E-A947-70E740481C1C}">
-                <a14:useLocalDpi xmlns:a14="http://schemas.microsoft.com/office/drawing/2010/main" val="0"/>
-              </a:ext>
-            </a:extLst>
-          </a:blip>
-          <a:stretch>
-            <a:fillRect/>
-          </a:stretch>
-        </p:blipFill>
-        <p:spPr>
-          <a:xfrm>
-            <a:off x="7570625" y="5158322"/>
-            <a:ext cx="559860" cy="580596"/>
-          </a:xfrm>
-          <a:prstGeom prst="rect">
-            <a:avLst/>
-          </a:prstGeom>
-        </p:spPr>
-      </p:pic>
-      <p:sp>
-        <p:nvSpPr>
-          <p:cNvPr id="91" name="TextBox 504"/>
-          <p:cNvSpPr txBox="1"/>
-          <p:nvPr/>
-        </p:nvSpPr>
-        <p:spPr>
-          <a:xfrm>
-            <a:off x="7453402" y="5805759"/>
-            <a:ext cx="825006" cy="436661"/>
-          </a:xfrm>
-          <a:prstGeom prst="rect">
-            <a:avLst/>
-          </a:prstGeom>
-          <a:noFill/>
-        </p:spPr>
-        <p:txBody>
-          <a:bodyPr wrap="square" lIns="0" tIns="0" rIns="0" bIns="0" rtlCol="0" anchor="t">
-            <a:noAutofit/>
-          </a:bodyPr>
-          <a:lstStyle/>
-          <a:p>
-            <a:pPr algn="ctr"/>
-            <a:r>
-              <a:rPr lang="en-US" sz="1000" b="1" dirty="0"/>
-              <a:t>S3 Bucket</a:t>
-            </a:r>
-          </a:p>
-          <a:p>
-            <a:pPr algn="ctr"/>
-            <a:r>
-              <a:rPr lang="en-US" sz="1000" b="1" dirty="0" smtClean="0"/>
-              <a:t>Test-Scripts</a:t>
-            </a:r>
-            <a:endParaRPr lang="en-US" sz="1000" b="1" dirty="0"/>
-          </a:p>
-        </p:txBody>
-      </p:sp>
-      <p:cxnSp>
-        <p:nvCxnSpPr>
-          <p:cNvPr id="92" name="Straight Connector 34"/>
-          <p:cNvCxnSpPr/>
-          <p:nvPr/>
-        </p:nvCxnSpPr>
-        <p:spPr>
-          <a:xfrm flipH="1">
-            <a:off x="2396890" y="3234709"/>
-            <a:ext cx="713580" cy="0"/>
-          </a:xfrm>
-          <a:prstGeom prst="line">
-            <a:avLst/>
-          </a:prstGeom>
-          <a:ln w="57150">
-            <a:solidFill>
-              <a:schemeClr val="bg1">
-                <a:lumMod val="75000"/>
-              </a:schemeClr>
-            </a:solidFill>
-            <a:headEnd type="triangle" w="med" len="med"/>
-            <a:tailEnd type="none" w="med" len="med"/>
-          </a:ln>
-        </p:spPr>
-        <p:style>
-          <a:lnRef idx="1">
-            <a:schemeClr val="accent2"/>
-          </a:lnRef>
-          <a:fillRef idx="0">
-            <a:schemeClr val="accent2"/>
-          </a:fillRef>
-          <a:effectRef idx="0">
-            <a:schemeClr val="accent2"/>
-          </a:effectRef>
-          <a:fontRef idx="minor">
-            <a:schemeClr val="tx1"/>
-          </a:fontRef>
-        </p:style>
-      </p:cxnSp>
-      <p:cxnSp>
-        <p:nvCxnSpPr>
-          <p:cNvPr id="93" name="Straight Connector 34"/>
-          <p:cNvCxnSpPr/>
-          <p:nvPr/>
-        </p:nvCxnSpPr>
-        <p:spPr>
-          <a:xfrm flipH="1">
-            <a:off x="2396890" y="3566219"/>
-            <a:ext cx="713580" cy="0"/>
-          </a:xfrm>
-          <a:prstGeom prst="line">
-            <a:avLst/>
-          </a:prstGeom>
-          <a:ln w="57150">
-            <a:solidFill>
-              <a:schemeClr val="bg1">
-                <a:lumMod val="75000"/>
-              </a:schemeClr>
-            </a:solidFill>
-            <a:headEnd type="none" w="med" len="med"/>
-            <a:tailEnd type="triangle" w="med" len="med"/>
-          </a:ln>
-        </p:spPr>
-        <p:style>
-          <a:lnRef idx="1">
-            <a:schemeClr val="accent2"/>
-          </a:lnRef>
-          <a:fillRef idx="0">
-            <a:schemeClr val="accent2"/>
-          </a:fillRef>
-          <a:effectRef idx="0">
-            <a:schemeClr val="accent2"/>
-          </a:effectRef>
-          <a:fontRef idx="minor">
-            <a:schemeClr val="tx1"/>
-          </a:fontRef>
-        </p:style>
-      </p:cxnSp>
+            </a:lnRef>
+            <a:fillRef idx="1">
+              <a:schemeClr val="accent2"/>
+            </a:fillRef>
+            <a:effectRef idx="0">
+              <a:schemeClr val="accent2"/>
+            </a:effectRef>
+            <a:fontRef idx="minor">
+              <a:schemeClr val="lt1"/>
+            </a:fontRef>
+          </p:style>
+          <p:txBody>
+            <a:bodyPr rtlCol="0" anchor="ctr"/>
+            <a:lstStyle/>
+            <a:p>
+              <a:pPr algn="ctr"/>
+              <a:r>
+                <a:rPr lang="en-US" dirty="0" smtClean="0"/>
+                <a:t>2</a:t>
+              </a:r>
+              <a:endParaRPr lang="de-DE" dirty="0"/>
+            </a:p>
+          </p:txBody>
+        </p:sp>
+        <p:pic>
+          <p:nvPicPr>
+            <p:cNvPr id="90" name="Picture 8"/>
+            <p:cNvPicPr>
+              <a:picLocks noChangeAspect="1"/>
+            </p:cNvPicPr>
+            <p:nvPr/>
+          </p:nvPicPr>
+          <p:blipFill>
+            <a:blip r:embed="rId9">
+              <a:extLst>
+                <a:ext uri="{28A0092B-C50C-407E-A947-70E740481C1C}">
+                  <a14:useLocalDpi xmlns:a14="http://schemas.microsoft.com/office/drawing/2010/main" val="0"/>
+                </a:ext>
+              </a:extLst>
+            </a:blip>
+            <a:stretch>
+              <a:fillRect/>
+            </a:stretch>
+          </p:blipFill>
+          <p:spPr>
+            <a:xfrm>
+              <a:off x="7570625" y="5158322"/>
+              <a:ext cx="559860" cy="580596"/>
+            </a:xfrm>
+            <a:prstGeom prst="rect">
+              <a:avLst/>
+            </a:prstGeom>
+          </p:spPr>
+        </p:pic>
+        <p:sp>
+          <p:nvSpPr>
+            <p:cNvPr id="91" name="TextBox 504"/>
+            <p:cNvSpPr txBox="1"/>
+            <p:nvPr/>
+          </p:nvSpPr>
+          <p:spPr>
+            <a:xfrm>
+              <a:off x="7453402" y="5822088"/>
+              <a:ext cx="825006" cy="436661"/>
+            </a:xfrm>
+            <a:prstGeom prst="rect">
+              <a:avLst/>
+            </a:prstGeom>
+            <a:noFill/>
+          </p:spPr>
+          <p:txBody>
+            <a:bodyPr wrap="square" lIns="0" tIns="0" rIns="0" bIns="0" rtlCol="0" anchor="t">
+              <a:noAutofit/>
+            </a:bodyPr>
+            <a:lstStyle/>
+            <a:p>
+              <a:pPr algn="ctr"/>
+              <a:r>
+                <a:rPr lang="en-US" sz="1000" b="1" dirty="0" smtClean="0"/>
+                <a:t>Amazon S3 Bucket w/</a:t>
+              </a:r>
+              <a:endParaRPr lang="en-US" sz="1000" b="1" dirty="0"/>
+            </a:p>
+            <a:p>
+              <a:pPr algn="ctr"/>
+              <a:r>
+                <a:rPr lang="en-US" sz="1000" b="1" dirty="0" smtClean="0"/>
+                <a:t>Test Scripts</a:t>
+              </a:r>
+              <a:endParaRPr lang="en-US" sz="1000" b="1" dirty="0"/>
+            </a:p>
+          </p:txBody>
+        </p:sp>
+        <p:cxnSp>
+          <p:nvCxnSpPr>
+            <p:cNvPr id="92" name="Straight Connector 34"/>
+            <p:cNvCxnSpPr/>
+            <p:nvPr/>
+          </p:nvCxnSpPr>
+          <p:spPr>
+            <a:xfrm flipH="1">
+              <a:off x="2396890" y="3234709"/>
+              <a:ext cx="713580" cy="0"/>
+            </a:xfrm>
+            <a:prstGeom prst="line">
+              <a:avLst/>
+            </a:prstGeom>
+            <a:ln w="57150">
+              <a:solidFill>
+                <a:schemeClr val="bg1">
+                  <a:lumMod val="75000"/>
+                </a:schemeClr>
+              </a:solidFill>
+              <a:headEnd type="triangle" w="med" len="med"/>
+              <a:tailEnd type="none" w="med" len="med"/>
+            </a:ln>
+          </p:spPr>
+          <p:style>
+            <a:lnRef idx="1">
+              <a:schemeClr val="accent2"/>
+            </a:lnRef>
+            <a:fillRef idx="0">
+              <a:schemeClr val="accent2"/>
+            </a:fillRef>
+            <a:effectRef idx="0">
+              <a:schemeClr val="accent2"/>
+            </a:effectRef>
+            <a:fontRef idx="minor">
+              <a:schemeClr val="tx1"/>
+            </a:fontRef>
+          </p:style>
+        </p:cxnSp>
+        <p:cxnSp>
+          <p:nvCxnSpPr>
+            <p:cNvPr id="93" name="Straight Connector 34"/>
+            <p:cNvCxnSpPr/>
+            <p:nvPr/>
+          </p:nvCxnSpPr>
+          <p:spPr>
+            <a:xfrm flipH="1">
+              <a:off x="2396890" y="3566219"/>
+              <a:ext cx="713580" cy="0"/>
+            </a:xfrm>
+            <a:prstGeom prst="line">
+              <a:avLst/>
+            </a:prstGeom>
+            <a:ln w="57150">
+              <a:solidFill>
+                <a:schemeClr val="bg1">
+                  <a:lumMod val="75000"/>
+                </a:schemeClr>
+              </a:solidFill>
+              <a:headEnd type="none" w="med" len="med"/>
+              <a:tailEnd type="triangle" w="med" len="med"/>
+            </a:ln>
+          </p:spPr>
+          <p:style>
+            <a:lnRef idx="1">
+              <a:schemeClr val="accent2"/>
+            </a:lnRef>
+            <a:fillRef idx="0">
+              <a:schemeClr val="accent2"/>
+            </a:fillRef>
+            <a:effectRef idx="0">
+              <a:schemeClr val="accent2"/>
+            </a:effectRef>
+            <a:fontRef idx="minor">
+              <a:schemeClr val="tx1"/>
+            </a:fontRef>
+          </p:style>
+        </p:cxnSp>
+      </p:grpSp>
     </p:spTree>
     <p:extLst>
       <p:ext uri="{BB962C8B-B14F-4D97-AF65-F5344CB8AC3E}">
